--- a/base/science.pptx
+++ b/base/science.pptx
@@ -5,7 +5,7 @@
     <p:sldMasterId id="2147483648" r:id="rId1"/>
   </p:sldMasterIdLst>
   <p:notesMasterIdLst>
-    <p:notesMasterId r:id="rId12"/>
+    <p:notesMasterId r:id="rId11"/>
   </p:notesMasterIdLst>
   <p:sldIdLst>
     <p:sldId id="256" r:id="rId2"/>
@@ -13,11 +13,10 @@
     <p:sldId id="258" r:id="rId4"/>
     <p:sldId id="259" r:id="rId5"/>
     <p:sldId id="260" r:id="rId6"/>
-    <p:sldId id="261" r:id="rId7"/>
-    <p:sldId id="262" r:id="rId8"/>
-    <p:sldId id="263" r:id="rId9"/>
-    <p:sldId id="264" r:id="rId10"/>
-    <p:sldId id="265" r:id="rId11"/>
+    <p:sldId id="262" r:id="rId7"/>
+    <p:sldId id="263" r:id="rId8"/>
+    <p:sldId id="264" r:id="rId9"/>
+    <p:sldId id="265" r:id="rId10"/>
   </p:sldIdLst>
   <p:sldSz cx="12192000" cy="6858000"/>
   <p:notesSz cx="6858000" cy="9144000"/>
@@ -680,11 +679,11 @@
         </c:dLbls>
         <c:marker val="1"/>
         <c:smooth val="0"/>
-        <c:axId val="610026720"/>
-        <c:axId val="610020448"/>
+        <c:axId val="146235568"/>
+        <c:axId val="146231256"/>
       </c:lineChart>
       <c:catAx>
-        <c:axId val="610026720"/>
+        <c:axId val="146235568"/>
         <c:scaling>
           <c:orientation val="minMax"/>
         </c:scaling>
@@ -727,7 +726,7 @@
             <a:endParaRPr lang="zh-TW"/>
           </a:p>
         </c:txPr>
-        <c:crossAx val="610020448"/>
+        <c:crossAx val="146231256"/>
         <c:crosses val="autoZero"/>
         <c:auto val="1"/>
         <c:lblAlgn val="ctr"/>
@@ -735,7 +734,7 @@
         <c:noMultiLvlLbl val="0"/>
       </c:catAx>
       <c:valAx>
-        <c:axId val="610020448"/>
+        <c:axId val="146231256"/>
         <c:scaling>
           <c:orientation val="minMax"/>
         </c:scaling>
@@ -786,7 +785,7 @@
             <a:endParaRPr lang="zh-TW"/>
           </a:p>
         </c:txPr>
-        <c:crossAx val="610026720"/>
+        <c:crossAx val="146235568"/>
         <c:crosses val="autoZero"/>
         <c:crossBetween val="between"/>
       </c:valAx>
@@ -7443,13 +7442,13 @@
   <p:clrMapOvr>
     <a:masterClrMapping/>
   </p:clrMapOvr>
-  <mc:AlternateContent xmlns:mc="http://schemas.openxmlformats.org/markup-compatibility/2006">
-    <mc:Choice xmlns:p15="http://schemas.microsoft.com/office/powerpoint/2012/main" Requires="p15">
+  <mc:AlternateContent xmlns:mc="http://schemas.openxmlformats.org/markup-compatibility/2006" xmlns:p15="http://schemas.microsoft.com/office/powerpoint/2012/main">
+    <mc:Choice Requires="p15">
       <p:transition xmlns:p14="http://schemas.microsoft.com/office/powerpoint/2010/main" spd="slow" p14:dur="2500">
         <p15:prstTrans prst="curtains"/>
       </p:transition>
     </mc:Choice>
-    <mc:Fallback>
+    <mc:Fallback xmlns="">
       <p:transition spd="slow">
         <p:fade/>
       </p:transition>
@@ -7465,7 +7464,7 @@
 </p:sld>
 </file>
 
-<file path=ppt/slides/slide10.xml><?xml version="1.0" encoding="utf-8"?>
+<file path=ppt/slides/slide2.xml><?xml version="1.0" encoding="utf-8"?>
 <p:sld xmlns:a="http://schemas.openxmlformats.org/drawingml/2006/main" xmlns:r="http://schemas.openxmlformats.org/officeDocument/2006/relationships" xmlns:p="http://schemas.openxmlformats.org/presentationml/2006/main">
   <p:cSld>
     <p:spTree>
@@ -7499,6 +7498,1198 @@
           <a:p>
             <a:r>
               <a:rPr lang="en-US" altLang="zh-TW" dirty="0" smtClean="0"/>
+              <a:t>Introduction</a:t>
+            </a:r>
+            <a:endParaRPr lang="zh-TW" altLang="en-US" dirty="0"/>
+          </a:p>
+        </p:txBody>
+      </p:sp>
+      <p:sp>
+        <p:nvSpPr>
+          <p:cNvPr id="3" name="內容版面配置區 2"/>
+          <p:cNvSpPr>
+            <a:spLocks noGrp="1"/>
+          </p:cNvSpPr>
+          <p:nvPr>
+            <p:ph idx="1"/>
+          </p:nvPr>
+        </p:nvSpPr>
+        <p:spPr/>
+        <p:txBody>
+          <a:bodyPr vert="horz" lIns="91440" tIns="45720" rIns="91440" bIns="45720" rtlCol="0" anchor="t">
+            <a:normAutofit/>
+          </a:bodyPr>
+          <a:lstStyle/>
+          <a:p>
+            <a:pPr>
+              <a:lnSpc>
+                <a:spcPct val="150000"/>
+              </a:lnSpc>
+            </a:pPr>
+            <a:r>
+              <a:rPr lang="en-US" altLang="zh-TW" dirty="0"/>
+              <a:t>When I went to other countries with higher latitudes, the temperature is extremely low, and I have to wear so many layers of thick clothes. Can I wear only a little amount of cloth and have the same effect? In this Experiment, I will test many well-known fabric and test which fabric is the warmest.</a:t>
+            </a:r>
+            <a:endParaRPr lang="zh-TW" altLang="zh-TW" dirty="0"/>
+          </a:p>
+          <a:p>
+            <a:endParaRPr lang="zh-TW" altLang="en-US" dirty="0">
+              <a:latin typeface="新細明體"/>
+            </a:endParaRPr>
+          </a:p>
+        </p:txBody>
+      </p:sp>
+    </p:spTree>
+    <p:extLst>
+      <p:ext uri="{BB962C8B-B14F-4D97-AF65-F5344CB8AC3E}">
+        <p14:creationId xmlns:p14="http://schemas.microsoft.com/office/powerpoint/2010/main" val="3503795774"/>
+      </p:ext>
+    </p:extLst>
+  </p:cSld>
+  <p:clrMapOvr>
+    <a:masterClrMapping/>
+  </p:clrMapOvr>
+  <mc:AlternateContent xmlns:mc="http://schemas.openxmlformats.org/markup-compatibility/2006" xmlns:p15="http://schemas.microsoft.com/office/powerpoint/2012/main">
+    <mc:Choice Requires="p15">
+      <p:transition xmlns:p14="http://schemas.microsoft.com/office/powerpoint/2010/main" spd="slow" p14:dur="2000">
+        <p15:prstTrans prst="prestige"/>
+      </p:transition>
+    </mc:Choice>
+    <mc:Fallback xmlns="">
+      <p:transition spd="slow">
+        <p:fade/>
+      </p:transition>
+    </mc:Fallback>
+  </mc:AlternateContent>
+  <p:timing>
+    <p:tnLst>
+      <p:par>
+        <p:cTn id="1" dur="indefinite" restart="never" nodeType="tmRoot"/>
+      </p:par>
+    </p:tnLst>
+  </p:timing>
+</p:sld>
+</file>
+
+<file path=ppt/slides/slide3.xml><?xml version="1.0" encoding="utf-8"?>
+<p:sld xmlns:a="http://schemas.openxmlformats.org/drawingml/2006/main" xmlns:r="http://schemas.openxmlformats.org/officeDocument/2006/relationships" xmlns:p="http://schemas.openxmlformats.org/presentationml/2006/main">
+  <p:cSld>
+    <p:spTree>
+      <p:nvGrpSpPr>
+        <p:cNvPr id="1" name=""/>
+        <p:cNvGrpSpPr/>
+        <p:nvPr/>
+      </p:nvGrpSpPr>
+      <p:grpSpPr>
+        <a:xfrm>
+          <a:off x="0" y="0"/>
+          <a:ext cx="0" cy="0"/>
+          <a:chOff x="0" y="0"/>
+          <a:chExt cx="0" cy="0"/>
+        </a:xfrm>
+      </p:grpSpPr>
+      <p:sp>
+        <p:nvSpPr>
+          <p:cNvPr id="2" name="標題 1"/>
+          <p:cNvSpPr>
+            <a:spLocks noGrp="1"/>
+          </p:cNvSpPr>
+          <p:nvPr>
+            <p:ph type="title"/>
+          </p:nvPr>
+        </p:nvSpPr>
+        <p:spPr/>
+        <p:txBody>
+          <a:bodyPr/>
+          <a:lstStyle/>
+          <a:p>
+            <a:r>
+              <a:rPr lang="en-US" altLang="zh-TW" dirty="0" smtClean="0"/>
+              <a:t>Research</a:t>
+            </a:r>
+            <a:endParaRPr lang="zh-TW" altLang="en-US" dirty="0"/>
+          </a:p>
+        </p:txBody>
+      </p:sp>
+      <p:sp>
+        <p:nvSpPr>
+          <p:cNvPr id="3" name="內容版面配置區 2"/>
+          <p:cNvSpPr>
+            <a:spLocks noGrp="1"/>
+          </p:cNvSpPr>
+          <p:nvPr>
+            <p:ph idx="1"/>
+          </p:nvPr>
+        </p:nvSpPr>
+        <p:spPr/>
+        <p:txBody>
+          <a:bodyPr/>
+          <a:lstStyle/>
+          <a:p>
+            <a:r>
+              <a:rPr lang="en-US" altLang="zh-TW" dirty="0" smtClean="0"/>
+              <a:t>Cotton? Wool?</a:t>
+            </a:r>
+          </a:p>
+          <a:p>
+            <a:endParaRPr lang="zh-TW" altLang="en-US" dirty="0"/>
+          </a:p>
+        </p:txBody>
+      </p:sp>
+      <p:pic>
+        <p:nvPicPr>
+          <p:cNvPr id="4" name="圖片 3"/>
+          <p:cNvPicPr>
+            <a:picLocks noChangeAspect="1"/>
+          </p:cNvPicPr>
+          <p:nvPr/>
+        </p:nvPicPr>
+        <p:blipFill>
+          <a:blip r:embed="rId2">
+            <a:extLst>
+              <a:ext uri="{28A0092B-C50C-407E-A947-70E740481C1C}">
+                <a14:useLocalDpi xmlns:a14="http://schemas.microsoft.com/office/drawing/2010/main" val="0"/>
+              </a:ext>
+            </a:extLst>
+          </a:blip>
+          <a:stretch>
+            <a:fillRect/>
+          </a:stretch>
+        </p:blipFill>
+        <p:spPr>
+          <a:xfrm>
+            <a:off x="1045490" y="2615329"/>
+            <a:ext cx="3206376" cy="3603356"/>
+          </a:xfrm>
+          <a:prstGeom prst="rect">
+            <a:avLst/>
+          </a:prstGeom>
+        </p:spPr>
+      </p:pic>
+      <p:sp>
+        <p:nvSpPr>
+          <p:cNvPr id="6" name="文字方塊 5"/>
+          <p:cNvSpPr txBox="1"/>
+          <p:nvPr/>
+        </p:nvSpPr>
+        <p:spPr>
+          <a:xfrm>
+            <a:off x="4818441" y="2643200"/>
+            <a:ext cx="25511611" cy="2031325"/>
+          </a:xfrm>
+          <a:prstGeom prst="rect">
+            <a:avLst/>
+          </a:prstGeom>
+          <a:noFill/>
+        </p:spPr>
+        <p:txBody>
+          <a:bodyPr wrap="square" rtlCol="0">
+            <a:spAutoFit/>
+          </a:bodyPr>
+          <a:lstStyle/>
+          <a:p>
+            <a:pPr>
+              <a:lnSpc>
+                <a:spcPct val="150000"/>
+              </a:lnSpc>
+            </a:pPr>
+            <a:r>
+              <a:rPr lang="en-US" altLang="zh-TW" dirty="0"/>
+              <a:t>Acrylic fabric is a fabric made by acrylic. </a:t>
+            </a:r>
+            <a:endParaRPr lang="en-US" altLang="zh-TW" dirty="0" smtClean="0"/>
+          </a:p>
+          <a:p>
+            <a:pPr>
+              <a:lnSpc>
+                <a:spcPct val="150000"/>
+              </a:lnSpc>
+            </a:pPr>
+            <a:r>
+              <a:rPr lang="en-US" altLang="zh-TW" dirty="0" smtClean="0"/>
+              <a:t>Wool </a:t>
+            </a:r>
+            <a:r>
+              <a:rPr lang="en-US" altLang="zh-TW" dirty="0"/>
+              <a:t>is a fabric from sheep’s fur. </a:t>
+            </a:r>
+            <a:endParaRPr lang="en-US" altLang="zh-TW" dirty="0" smtClean="0"/>
+          </a:p>
+          <a:p>
+            <a:pPr>
+              <a:lnSpc>
+                <a:spcPct val="150000"/>
+              </a:lnSpc>
+            </a:pPr>
+            <a:r>
+              <a:rPr lang="en-US" altLang="zh-TW" dirty="0" smtClean="0"/>
+              <a:t>Nylon </a:t>
+            </a:r>
+            <a:r>
+              <a:rPr lang="en-US" altLang="zh-TW" dirty="0"/>
+              <a:t>is a lightweight fabric with a lot of strength. </a:t>
+            </a:r>
+            <a:endParaRPr lang="en-US" altLang="zh-TW" dirty="0" smtClean="0"/>
+          </a:p>
+          <a:p>
+            <a:pPr>
+              <a:lnSpc>
+                <a:spcPct val="150000"/>
+              </a:lnSpc>
+            </a:pPr>
+            <a:r>
+              <a:rPr lang="en-US" altLang="zh-TW" dirty="0" smtClean="0"/>
+              <a:t>Cotton </a:t>
+            </a:r>
+            <a:r>
+              <a:rPr lang="en-US" altLang="zh-TW" dirty="0"/>
+              <a:t>is a fabric made from cotton plant.</a:t>
+            </a:r>
+            <a:endParaRPr lang="zh-TW" altLang="zh-TW" dirty="0"/>
+          </a:p>
+          <a:p>
+            <a:endParaRPr lang="zh-TW" altLang="en-US" dirty="0"/>
+          </a:p>
+        </p:txBody>
+      </p:sp>
+      <p:sp>
+        <p:nvSpPr>
+          <p:cNvPr id="7" name="圓角矩形圖說文字 6"/>
+          <p:cNvSpPr/>
+          <p:nvPr/>
+        </p:nvSpPr>
+        <p:spPr>
+          <a:xfrm>
+            <a:off x="2400016" y="2549462"/>
+            <a:ext cx="1423425" cy="829160"/>
+          </a:xfrm>
+          <a:prstGeom prst="wedgeRoundRectCallout">
+            <a:avLst/>
+          </a:prstGeom>
+        </p:spPr>
+        <p:style>
+          <a:lnRef idx="2">
+            <a:schemeClr val="accent3">
+              <a:shade val="50000"/>
+            </a:schemeClr>
+          </a:lnRef>
+          <a:fillRef idx="1">
+            <a:schemeClr val="accent3"/>
+          </a:fillRef>
+          <a:effectRef idx="0">
+            <a:schemeClr val="accent3"/>
+          </a:effectRef>
+          <a:fontRef idx="minor">
+            <a:schemeClr val="lt1"/>
+          </a:fontRef>
+        </p:style>
+        <p:txBody>
+          <a:bodyPr rtlCol="0" anchor="ctr"/>
+          <a:lstStyle/>
+          <a:p>
+            <a:pPr algn="ctr"/>
+            <a:r>
+              <a:rPr lang="en-US" altLang="zh-TW" dirty="0" smtClean="0"/>
+              <a:t>Meh!</a:t>
+            </a:r>
+            <a:endParaRPr lang="zh-TW" altLang="en-US" dirty="0"/>
+          </a:p>
+        </p:txBody>
+      </p:sp>
+    </p:spTree>
+    <p:extLst>
+      <p:ext uri="{BB962C8B-B14F-4D97-AF65-F5344CB8AC3E}">
+        <p14:creationId xmlns:p14="http://schemas.microsoft.com/office/powerpoint/2010/main" val="3672446951"/>
+      </p:ext>
+    </p:extLst>
+  </p:cSld>
+  <p:clrMapOvr>
+    <a:masterClrMapping/>
+  </p:clrMapOvr>
+  <mc:AlternateContent xmlns:mc="http://schemas.openxmlformats.org/markup-compatibility/2006" xmlns:p15="http://schemas.microsoft.com/office/powerpoint/2012/main">
+    <mc:Choice Requires="p15">
+      <p:transition xmlns:p14="http://schemas.microsoft.com/office/powerpoint/2010/main" spd="slow" p14:dur="2000">
+        <p15:prstTrans prst="fallOver"/>
+      </p:transition>
+    </mc:Choice>
+    <mc:Fallback xmlns="">
+      <p:transition spd="slow">
+        <p:fade/>
+      </p:transition>
+    </mc:Fallback>
+  </mc:AlternateContent>
+  <p:timing>
+    <p:tnLst>
+      <p:par>
+        <p:cTn id="1" dur="indefinite" restart="never" nodeType="tmRoot"/>
+      </p:par>
+    </p:tnLst>
+  </p:timing>
+</p:sld>
+</file>
+
+<file path=ppt/slides/slide4.xml><?xml version="1.0" encoding="utf-8"?>
+<p:sld xmlns:a="http://schemas.openxmlformats.org/drawingml/2006/main" xmlns:r="http://schemas.openxmlformats.org/officeDocument/2006/relationships" xmlns:p="http://schemas.openxmlformats.org/presentationml/2006/main">
+  <p:cSld>
+    <p:spTree>
+      <p:nvGrpSpPr>
+        <p:cNvPr id="1" name=""/>
+        <p:cNvGrpSpPr/>
+        <p:nvPr/>
+      </p:nvGrpSpPr>
+      <p:grpSpPr>
+        <a:xfrm>
+          <a:off x="0" y="0"/>
+          <a:ext cx="0" cy="0"/>
+          <a:chOff x="0" y="0"/>
+          <a:chExt cx="0" cy="0"/>
+        </a:xfrm>
+      </p:grpSpPr>
+      <p:sp>
+        <p:nvSpPr>
+          <p:cNvPr id="2" name="標題 1"/>
+          <p:cNvSpPr>
+            <a:spLocks noGrp="1"/>
+          </p:cNvSpPr>
+          <p:nvPr>
+            <p:ph type="title"/>
+          </p:nvPr>
+        </p:nvSpPr>
+        <p:spPr/>
+        <p:txBody>
+          <a:bodyPr/>
+          <a:lstStyle/>
+          <a:p>
+            <a:r>
+              <a:rPr lang="en-US" altLang="zh-TW" dirty="0" smtClean="0"/>
+              <a:t>Hypothesis</a:t>
+            </a:r>
+            <a:endParaRPr lang="zh-TW" altLang="en-US" dirty="0"/>
+          </a:p>
+        </p:txBody>
+      </p:sp>
+      <p:sp>
+        <p:nvSpPr>
+          <p:cNvPr id="3" name="內容版面配置區 2"/>
+          <p:cNvSpPr>
+            <a:spLocks noGrp="1"/>
+          </p:cNvSpPr>
+          <p:nvPr>
+            <p:ph idx="1"/>
+          </p:nvPr>
+        </p:nvSpPr>
+        <p:spPr/>
+        <p:txBody>
+          <a:bodyPr/>
+          <a:lstStyle/>
+          <a:p>
+            <a:pPr>
+              <a:lnSpc>
+                <a:spcPct val="150000"/>
+              </a:lnSpc>
+            </a:pPr>
+            <a:r>
+              <a:rPr lang="en-US" altLang="zh-TW" dirty="0"/>
+              <a:t>I guess that wool is the warmest fabric. Because sheep can use it to keep from cold, and many people thinks so. Also, maybe cotton will have a good effect, because it is the most popular fabric, too.</a:t>
+            </a:r>
+            <a:endParaRPr lang="zh-TW" altLang="zh-TW" dirty="0"/>
+          </a:p>
+          <a:p>
+            <a:endParaRPr lang="zh-TW" altLang="en-US" dirty="0"/>
+          </a:p>
+        </p:txBody>
+      </p:sp>
+    </p:spTree>
+    <p:extLst>
+      <p:ext uri="{BB962C8B-B14F-4D97-AF65-F5344CB8AC3E}">
+        <p14:creationId xmlns:p14="http://schemas.microsoft.com/office/powerpoint/2010/main" val="3417405016"/>
+      </p:ext>
+    </p:extLst>
+  </p:cSld>
+  <p:clrMapOvr>
+    <a:masterClrMapping/>
+  </p:clrMapOvr>
+  <mc:AlternateContent xmlns:mc="http://schemas.openxmlformats.org/markup-compatibility/2006" xmlns:p15="http://schemas.microsoft.com/office/powerpoint/2012/main">
+    <mc:Choice Requires="p15">
+      <p:transition xmlns:p14="http://schemas.microsoft.com/office/powerpoint/2010/main" spd="slow" p14:dur="2000">
+        <p15:prstTrans prst="wind"/>
+      </p:transition>
+    </mc:Choice>
+    <mc:Fallback xmlns="">
+      <p:transition spd="slow">
+        <p:fade/>
+      </p:transition>
+    </mc:Fallback>
+  </mc:AlternateContent>
+  <p:timing>
+    <p:tnLst>
+      <p:par>
+        <p:cTn id="1" dur="indefinite" restart="never" nodeType="tmRoot"/>
+      </p:par>
+    </p:tnLst>
+  </p:timing>
+</p:sld>
+</file>
+
+<file path=ppt/slides/slide5.xml><?xml version="1.0" encoding="utf-8"?>
+<p:sld xmlns:a="http://schemas.openxmlformats.org/drawingml/2006/main" xmlns:r="http://schemas.openxmlformats.org/officeDocument/2006/relationships" xmlns:p="http://schemas.openxmlformats.org/presentationml/2006/main">
+  <p:cSld>
+    <p:spTree>
+      <p:nvGrpSpPr>
+        <p:cNvPr id="1" name=""/>
+        <p:cNvGrpSpPr/>
+        <p:nvPr/>
+      </p:nvGrpSpPr>
+      <p:grpSpPr>
+        <a:xfrm>
+          <a:off x="0" y="0"/>
+          <a:ext cx="0" cy="0"/>
+          <a:chOff x="0" y="0"/>
+          <a:chExt cx="0" cy="0"/>
+        </a:xfrm>
+      </p:grpSpPr>
+      <p:sp>
+        <p:nvSpPr>
+          <p:cNvPr id="2" name="標題 1"/>
+          <p:cNvSpPr>
+            <a:spLocks noGrp="1"/>
+          </p:cNvSpPr>
+          <p:nvPr>
+            <p:ph type="title"/>
+          </p:nvPr>
+        </p:nvSpPr>
+        <p:spPr/>
+        <p:txBody>
+          <a:bodyPr/>
+          <a:lstStyle/>
+          <a:p>
+            <a:r>
+              <a:rPr lang="en-US" altLang="zh-TW" dirty="0" smtClean="0"/>
+              <a:t>Materials</a:t>
+            </a:r>
+            <a:endParaRPr lang="zh-TW" altLang="en-US" dirty="0"/>
+          </a:p>
+        </p:txBody>
+      </p:sp>
+      <p:sp>
+        <p:nvSpPr>
+          <p:cNvPr id="3" name="內容版面配置區 2"/>
+          <p:cNvSpPr>
+            <a:spLocks noGrp="1"/>
+          </p:cNvSpPr>
+          <p:nvPr>
+            <p:ph idx="1"/>
+          </p:nvPr>
+        </p:nvSpPr>
+        <p:spPr/>
+        <p:txBody>
+          <a:bodyPr/>
+          <a:lstStyle/>
+          <a:p>
+            <a:pPr lvl="0"/>
+            <a:r>
+              <a:rPr lang="en-US" altLang="zh-TW" dirty="0"/>
+              <a:t>Stop Watch×1</a:t>
+            </a:r>
+            <a:endParaRPr lang="zh-TW" altLang="zh-TW" dirty="0"/>
+          </a:p>
+          <a:p>
+            <a:pPr lvl="0"/>
+            <a:r>
+              <a:rPr lang="en-US" altLang="zh-TW" dirty="0"/>
+              <a:t>Glass Cup×5</a:t>
+            </a:r>
+            <a:endParaRPr lang="zh-TW" altLang="zh-TW" dirty="0"/>
+          </a:p>
+          <a:p>
+            <a:pPr lvl="0"/>
+            <a:r>
+              <a:rPr lang="en-US" altLang="zh-TW" dirty="0"/>
+              <a:t>Nylon Fabric×1</a:t>
+            </a:r>
+            <a:endParaRPr lang="zh-TW" altLang="zh-TW" dirty="0"/>
+          </a:p>
+          <a:p>
+            <a:pPr lvl="0"/>
+            <a:r>
+              <a:rPr lang="en-US" altLang="zh-TW" dirty="0"/>
+              <a:t>Acrylic Cloth×1</a:t>
+            </a:r>
+            <a:endParaRPr lang="zh-TW" altLang="zh-TW" dirty="0"/>
+          </a:p>
+          <a:p>
+            <a:pPr lvl="0"/>
+            <a:r>
+              <a:rPr lang="en-US" altLang="zh-TW" dirty="0"/>
+              <a:t>Wool Hat×1</a:t>
+            </a:r>
+            <a:endParaRPr lang="zh-TW" altLang="zh-TW" dirty="0"/>
+          </a:p>
+          <a:p>
+            <a:pPr lvl="0"/>
+            <a:r>
+              <a:rPr lang="en-US" altLang="zh-TW" dirty="0"/>
+              <a:t>Cotton Shirt×1</a:t>
+            </a:r>
+            <a:endParaRPr lang="zh-TW" altLang="zh-TW" dirty="0"/>
+          </a:p>
+          <a:p>
+            <a:pPr lvl="0"/>
+            <a:r>
+              <a:rPr lang="en-US" altLang="zh-TW" dirty="0"/>
+              <a:t>Refrigerator×1</a:t>
+            </a:r>
+            <a:endParaRPr lang="zh-TW" altLang="zh-TW" dirty="0"/>
+          </a:p>
+          <a:p>
+            <a:pPr lvl="0"/>
+            <a:r>
+              <a:rPr lang="en-US" altLang="zh-TW" dirty="0"/>
+              <a:t>Water</a:t>
+            </a:r>
+            <a:endParaRPr lang="zh-TW" altLang="zh-TW" dirty="0"/>
+          </a:p>
+          <a:p>
+            <a:pPr lvl="0"/>
+            <a:r>
+              <a:rPr lang="en-US" altLang="zh-TW" dirty="0"/>
+              <a:t>Thermometer×1</a:t>
+            </a:r>
+            <a:endParaRPr lang="zh-TW" altLang="zh-TW" dirty="0"/>
+          </a:p>
+          <a:p>
+            <a:endParaRPr lang="zh-TW" altLang="en-US" dirty="0"/>
+          </a:p>
+        </p:txBody>
+      </p:sp>
+    </p:spTree>
+    <p:extLst>
+      <p:ext uri="{BB962C8B-B14F-4D97-AF65-F5344CB8AC3E}">
+        <p14:creationId xmlns:p14="http://schemas.microsoft.com/office/powerpoint/2010/main" val="1167042102"/>
+      </p:ext>
+    </p:extLst>
+  </p:cSld>
+  <p:clrMapOvr>
+    <a:masterClrMapping/>
+  </p:clrMapOvr>
+  <p:transition spd="slow">
+    <p:push dir="u"/>
+  </p:transition>
+  <p:timing>
+    <p:tnLst>
+      <p:par>
+        <p:cTn id="1" dur="indefinite" restart="never" nodeType="tmRoot"/>
+      </p:par>
+    </p:tnLst>
+  </p:timing>
+</p:sld>
+</file>
+
+<file path=ppt/slides/slide6.xml><?xml version="1.0" encoding="utf-8"?>
+<p:sld xmlns:a="http://schemas.openxmlformats.org/drawingml/2006/main" xmlns:r="http://schemas.openxmlformats.org/officeDocument/2006/relationships" xmlns:p="http://schemas.openxmlformats.org/presentationml/2006/main">
+  <p:cSld>
+    <p:spTree>
+      <p:nvGrpSpPr>
+        <p:cNvPr id="1" name=""/>
+        <p:cNvGrpSpPr/>
+        <p:nvPr/>
+      </p:nvGrpSpPr>
+      <p:grpSpPr>
+        <a:xfrm>
+          <a:off x="0" y="0"/>
+          <a:ext cx="0" cy="0"/>
+          <a:chOff x="0" y="0"/>
+          <a:chExt cx="0" cy="0"/>
+        </a:xfrm>
+      </p:grpSpPr>
+      <p:sp>
+        <p:nvSpPr>
+          <p:cNvPr id="2" name="標題 1"/>
+          <p:cNvSpPr>
+            <a:spLocks noGrp="1"/>
+          </p:cNvSpPr>
+          <p:nvPr>
+            <p:ph type="title"/>
+          </p:nvPr>
+        </p:nvSpPr>
+        <p:spPr/>
+        <p:txBody>
+          <a:bodyPr/>
+          <a:lstStyle/>
+          <a:p>
+            <a:r>
+              <a:rPr lang="en-US" altLang="zh-TW" dirty="0" smtClean="0"/>
+              <a:t>Experiment</a:t>
+            </a:r>
+            <a:endParaRPr lang="zh-TW" altLang="en-US" dirty="0"/>
+          </a:p>
+        </p:txBody>
+      </p:sp>
+      <p:pic>
+        <p:nvPicPr>
+          <p:cNvPr id="4" name="內容版面配置區 3"/>
+          <p:cNvPicPr>
+            <a:picLocks noGrp="1"/>
+          </p:cNvPicPr>
+          <p:nvPr>
+            <p:ph idx="1"/>
+          </p:nvPr>
+        </p:nvPicPr>
+        <p:blipFill>
+          <a:blip r:embed="rId2" cstate="print">
+            <a:extLst>
+              <a:ext uri="{28A0092B-C50C-407E-A947-70E740481C1C}">
+                <a14:useLocalDpi xmlns:a14="http://schemas.microsoft.com/office/drawing/2010/main" val="0"/>
+              </a:ext>
+            </a:extLst>
+          </a:blip>
+          <a:stretch>
+            <a:fillRect/>
+          </a:stretch>
+        </p:blipFill>
+        <p:spPr>
+          <a:xfrm>
+            <a:off x="2353988" y="1796846"/>
+            <a:ext cx="2502131" cy="1874520"/>
+          </a:xfrm>
+          <a:prstGeom prst="rect">
+            <a:avLst/>
+          </a:prstGeom>
+        </p:spPr>
+      </p:pic>
+      <p:pic>
+        <p:nvPicPr>
+          <p:cNvPr id="5" name="圖片 4"/>
+          <p:cNvPicPr/>
+          <p:nvPr/>
+        </p:nvPicPr>
+        <p:blipFill>
+          <a:blip r:embed="rId3" cstate="print">
+            <a:extLst>
+              <a:ext uri="{28A0092B-C50C-407E-A947-70E740481C1C}">
+                <a14:useLocalDpi xmlns:a14="http://schemas.microsoft.com/office/drawing/2010/main" val="0"/>
+              </a:ext>
+            </a:extLst>
+          </a:blip>
+          <a:stretch>
+            <a:fillRect/>
+          </a:stretch>
+        </p:blipFill>
+        <p:spPr>
+          <a:xfrm>
+            <a:off x="7316114" y="1830028"/>
+            <a:ext cx="2475865" cy="1856740"/>
+          </a:xfrm>
+          <a:prstGeom prst="rect">
+            <a:avLst/>
+          </a:prstGeom>
+        </p:spPr>
+      </p:pic>
+      <p:pic>
+        <p:nvPicPr>
+          <p:cNvPr id="6" name="圖片 5"/>
+          <p:cNvPicPr/>
+          <p:nvPr/>
+        </p:nvPicPr>
+        <p:blipFill>
+          <a:blip r:embed="rId4" cstate="print">
+            <a:extLst>
+              <a:ext uri="{28A0092B-C50C-407E-A947-70E740481C1C}">
+                <a14:useLocalDpi xmlns:a14="http://schemas.microsoft.com/office/drawing/2010/main" val="0"/>
+              </a:ext>
+            </a:extLst>
+          </a:blip>
+          <a:stretch>
+            <a:fillRect/>
+          </a:stretch>
+        </p:blipFill>
+        <p:spPr>
+          <a:xfrm>
+            <a:off x="4828184" y="1820503"/>
+            <a:ext cx="2487930" cy="1866265"/>
+          </a:xfrm>
+          <a:prstGeom prst="rect">
+            <a:avLst/>
+          </a:prstGeom>
+        </p:spPr>
+      </p:pic>
+      <p:pic>
+        <p:nvPicPr>
+          <p:cNvPr id="7" name="圖片 6"/>
+          <p:cNvPicPr/>
+          <p:nvPr/>
+        </p:nvPicPr>
+        <p:blipFill>
+          <a:blip r:embed="rId5" cstate="print">
+            <a:extLst>
+              <a:ext uri="{28A0092B-C50C-407E-A947-70E740481C1C}">
+                <a14:useLocalDpi xmlns:a14="http://schemas.microsoft.com/office/drawing/2010/main" val="0"/>
+              </a:ext>
+            </a:extLst>
+          </a:blip>
+          <a:stretch>
+            <a:fillRect/>
+          </a:stretch>
+        </p:blipFill>
+        <p:spPr>
+          <a:xfrm>
+            <a:off x="2353988" y="3677243"/>
+            <a:ext cx="2487930" cy="1866265"/>
+          </a:xfrm>
+          <a:prstGeom prst="rect">
+            <a:avLst/>
+          </a:prstGeom>
+        </p:spPr>
+      </p:pic>
+      <p:pic>
+        <p:nvPicPr>
+          <p:cNvPr id="8" name="圖片 7"/>
+          <p:cNvPicPr/>
+          <p:nvPr/>
+        </p:nvPicPr>
+        <p:blipFill>
+          <a:blip r:embed="rId6" cstate="print">
+            <a:extLst>
+              <a:ext uri="{28A0092B-C50C-407E-A947-70E740481C1C}">
+                <a14:useLocalDpi xmlns:a14="http://schemas.microsoft.com/office/drawing/2010/main" val="0"/>
+              </a:ext>
+            </a:extLst>
+          </a:blip>
+          <a:stretch>
+            <a:fillRect/>
+          </a:stretch>
+        </p:blipFill>
+        <p:spPr>
+          <a:xfrm>
+            <a:off x="4830591" y="3677243"/>
+            <a:ext cx="2487930" cy="1866265"/>
+          </a:xfrm>
+          <a:prstGeom prst="rect">
+            <a:avLst/>
+          </a:prstGeom>
+        </p:spPr>
+      </p:pic>
+      <p:pic>
+        <p:nvPicPr>
+          <p:cNvPr id="14" name="圖片 13"/>
+          <p:cNvPicPr/>
+          <p:nvPr/>
+        </p:nvPicPr>
+        <p:blipFill>
+          <a:blip r:embed="rId7" cstate="print">
+            <a:extLst>
+              <a:ext uri="{28A0092B-C50C-407E-A947-70E740481C1C}">
+                <a14:useLocalDpi xmlns:a14="http://schemas.microsoft.com/office/drawing/2010/main" val="0"/>
+              </a:ext>
+            </a:extLst>
+          </a:blip>
+          <a:stretch>
+            <a:fillRect/>
+          </a:stretch>
+        </p:blipFill>
+        <p:spPr>
+          <a:xfrm>
+            <a:off x="7316114" y="3671366"/>
+            <a:ext cx="2476800" cy="1857600"/>
+          </a:xfrm>
+          <a:prstGeom prst="rect">
+            <a:avLst/>
+          </a:prstGeom>
+        </p:spPr>
+      </p:pic>
+    </p:spTree>
+    <p:extLst>
+      <p:ext uri="{BB962C8B-B14F-4D97-AF65-F5344CB8AC3E}">
+        <p14:creationId xmlns:p14="http://schemas.microsoft.com/office/powerpoint/2010/main" val="3787650578"/>
+      </p:ext>
+    </p:extLst>
+  </p:cSld>
+  <p:clrMapOvr>
+    <a:masterClrMapping/>
+  </p:clrMapOvr>
+  <mc:AlternateContent xmlns:mc="http://schemas.openxmlformats.org/markup-compatibility/2006" xmlns:p14="http://schemas.microsoft.com/office/powerpoint/2010/main">
+    <mc:Choice Requires="p14">
+      <p:transition spd="slow" p14:dur="1500">
+        <p:split orient="vert"/>
+      </p:transition>
+    </mc:Choice>
+    <mc:Fallback xmlns="">
+      <p:transition spd="slow">
+        <p:split orient="vert"/>
+      </p:transition>
+    </mc:Fallback>
+  </mc:AlternateContent>
+  <p:timing>
+    <p:tnLst>
+      <p:par>
+        <p:cTn id="1" dur="indefinite" restart="never" nodeType="tmRoot"/>
+      </p:par>
+    </p:tnLst>
+  </p:timing>
+</p:sld>
+</file>
+
+<file path=ppt/slides/slide7.xml><?xml version="1.0" encoding="utf-8"?>
+<p:sld xmlns:a="http://schemas.openxmlformats.org/drawingml/2006/main" xmlns:r="http://schemas.openxmlformats.org/officeDocument/2006/relationships" xmlns:p="http://schemas.openxmlformats.org/presentationml/2006/main">
+  <p:cSld>
+    <p:spTree>
+      <p:nvGrpSpPr>
+        <p:cNvPr id="1" name=""/>
+        <p:cNvGrpSpPr/>
+        <p:nvPr/>
+      </p:nvGrpSpPr>
+      <p:grpSpPr>
+        <a:xfrm>
+          <a:off x="0" y="0"/>
+          <a:ext cx="0" cy="0"/>
+          <a:chOff x="0" y="0"/>
+          <a:chExt cx="0" cy="0"/>
+        </a:xfrm>
+      </p:grpSpPr>
+      <p:sp>
+        <p:nvSpPr>
+          <p:cNvPr id="2" name="標題 1"/>
+          <p:cNvSpPr>
+            <a:spLocks noGrp="1"/>
+          </p:cNvSpPr>
+          <p:nvPr>
+            <p:ph type="title"/>
+          </p:nvPr>
+        </p:nvSpPr>
+        <p:spPr/>
+        <p:txBody>
+          <a:bodyPr/>
+          <a:lstStyle/>
+          <a:p>
+            <a:r>
+              <a:rPr lang="en-US" altLang="zh-TW" dirty="0" smtClean="0"/>
+              <a:t>Data</a:t>
+            </a:r>
+            <a:endParaRPr lang="zh-TW" altLang="en-US" dirty="0"/>
+          </a:p>
+        </p:txBody>
+      </p:sp>
+      <p:sp>
+        <p:nvSpPr>
+          <p:cNvPr id="13" name="Rectangle 6"/>
+          <p:cNvSpPr>
+            <a:spLocks noChangeArrowheads="1"/>
+          </p:cNvSpPr>
+          <p:nvPr/>
+        </p:nvSpPr>
+        <p:spPr bwMode="auto">
+          <a:xfrm>
+            <a:off x="0" y="0"/>
+            <a:ext cx="12192000" cy="0"/>
+          </a:xfrm>
+          <a:prstGeom prst="rect">
+            <a:avLst/>
+          </a:prstGeom>
+          <a:noFill/>
+          <a:ln>
+            <a:noFill/>
+          </a:ln>
+          <a:effectLst/>
+          <a:extLst>
+            <a:ext uri="{909E8E84-426E-40DD-AFC4-6F175D3DCCD1}">
+              <a14:hiddenFill xmlns:a14="http://schemas.microsoft.com/office/drawing/2010/main">
+                <a:solidFill>
+                  <a:schemeClr val="accent1"/>
+                </a:solidFill>
+              </a14:hiddenFill>
+            </a:ext>
+            <a:ext uri="{91240B29-F687-4F45-9708-019B960494DF}">
+              <a14:hiddenLine xmlns:a14="http://schemas.microsoft.com/office/drawing/2010/main" w="9525">
+                <a:solidFill>
+                  <a:schemeClr val="tx1"/>
+                </a:solidFill>
+                <a:miter lim="800000"/>
+                <a:headEnd/>
+                <a:tailEnd/>
+              </a14:hiddenLine>
+            </a:ext>
+            <a:ext uri="{AF507438-7753-43E0-B8FC-AC1667EBCBE1}">
+              <a14:hiddenEffects xmlns:a14="http://schemas.microsoft.com/office/drawing/2010/main">
+                <a:effectLst>
+                  <a:outerShdw dist="35921" dir="2700000" algn="ctr" rotWithShape="0">
+                    <a:schemeClr val="bg2"/>
+                  </a:outerShdw>
+                </a:effectLst>
+              </a14:hiddenEffects>
+            </a:ext>
+          </a:extLst>
+        </p:spPr>
+        <p:txBody>
+          <a:bodyPr vert="horz" wrap="none" lIns="91440" tIns="45720" rIns="91440" bIns="45720" numCol="1" anchor="ctr" anchorCtr="0" compatLnSpc="1">
+            <a:prstTxWarp prst="textNoShape">
+              <a:avLst/>
+            </a:prstTxWarp>
+            <a:spAutoFit/>
+          </a:bodyPr>
+          <a:lstStyle/>
+          <a:p>
+            <a:endParaRPr lang="zh-TW" altLang="en-US"/>
+          </a:p>
+        </p:txBody>
+      </p:sp>
+      <p:graphicFrame>
+        <p:nvGraphicFramePr>
+          <p:cNvPr id="14" name="物件 13"/>
+          <p:cNvGraphicFramePr>
+            <a:graphicFrameLocks noChangeAspect="1"/>
+          </p:cNvGraphicFramePr>
+          <p:nvPr>
+            <p:extLst>
+              <p:ext uri="{D42A27DB-BD31-4B8C-83A1-F6EECF244321}">
+                <p14:modId xmlns:p14="http://schemas.microsoft.com/office/powerpoint/2010/main" val="989658876"/>
+              </p:ext>
+            </p:extLst>
+          </p:nvPr>
+        </p:nvGraphicFramePr>
+        <p:xfrm>
+          <a:off x="814531" y="3826660"/>
+          <a:ext cx="5276850" cy="1638300"/>
+        </p:xfrm>
+        <a:graphic>
+          <a:graphicData uri="http://schemas.openxmlformats.org/presentationml/2006/ole">
+            <mc:AlternateContent xmlns:mc="http://schemas.openxmlformats.org/markup-compatibility/2006">
+              <mc:Choice xmlns:v="urn:schemas-microsoft-com:vml" Requires="v">
+                <p:oleObj spid="_x0000_s2060" name="Worksheet" r:id="rId3" imgW="4124332" imgH="1266825" progId="Excel.Sheet.12">
+                  <p:embed/>
+                </p:oleObj>
+              </mc:Choice>
+              <mc:Fallback>
+                <p:oleObj name="Worksheet" r:id="rId3" imgW="4124332" imgH="1266825" progId="Excel.Sheet.12">
+                  <p:embed/>
+                  <p:pic>
+                    <p:nvPicPr>
+                      <p:cNvPr id="0" name="Object 5"/>
+                      <p:cNvPicPr>
+                        <a:picLocks noChangeAspect="1" noChangeArrowheads="1"/>
+                      </p:cNvPicPr>
+                      <p:nvPr/>
+                    </p:nvPicPr>
+                    <p:blipFill>
+                      <a:blip r:embed="rId4"/>
+                      <a:srcRect/>
+                      <a:stretch>
+                        <a:fillRect/>
+                      </a:stretch>
+                    </p:blipFill>
+                    <p:spPr bwMode="auto">
+                      <a:xfrm>
+                        <a:off x="814531" y="3826660"/>
+                        <a:ext cx="5276850" cy="1638300"/>
+                      </a:xfrm>
+                      <a:prstGeom prst="rect">
+                        <a:avLst/>
+                      </a:prstGeom>
+                      <a:noFill/>
+                      <a:ln>
+                        <a:noFill/>
+                      </a:ln>
+                    </p:spPr>
+                  </p:pic>
+                </p:oleObj>
+              </mc:Fallback>
+            </mc:AlternateContent>
+          </a:graphicData>
+        </a:graphic>
+      </p:graphicFrame>
+      <p:graphicFrame>
+        <p:nvGraphicFramePr>
+          <p:cNvPr id="16" name="圖表 15"/>
+          <p:cNvGraphicFramePr>
+            <a:graphicFrameLocks/>
+          </p:cNvGraphicFramePr>
+          <p:nvPr>
+            <p:extLst>
+              <p:ext uri="{D42A27DB-BD31-4B8C-83A1-F6EECF244321}">
+                <p14:modId xmlns:p14="http://schemas.microsoft.com/office/powerpoint/2010/main" val="81426948"/>
+              </p:ext>
+            </p:extLst>
+          </p:nvPr>
+        </p:nvGraphicFramePr>
+        <p:xfrm>
+          <a:off x="6310384" y="1816885"/>
+          <a:ext cx="5119616" cy="4298165"/>
+        </p:xfrm>
+        <a:graphic>
+          <a:graphicData uri="http://schemas.openxmlformats.org/drawingml/2006/chart">
+            <c:chart xmlns:c="http://schemas.openxmlformats.org/drawingml/2006/chart" xmlns:r="http://schemas.openxmlformats.org/officeDocument/2006/relationships" r:id="rId5"/>
+          </a:graphicData>
+        </a:graphic>
+      </p:graphicFrame>
+    </p:spTree>
+    <p:extLst>
+      <p:ext uri="{BB962C8B-B14F-4D97-AF65-F5344CB8AC3E}">
+        <p14:creationId xmlns:p14="http://schemas.microsoft.com/office/powerpoint/2010/main" val="1342123936"/>
+      </p:ext>
+    </p:extLst>
+  </p:cSld>
+  <p:clrMapOvr>
+    <a:masterClrMapping/>
+  </p:clrMapOvr>
+  <mc:AlternateContent xmlns:mc="http://schemas.openxmlformats.org/markup-compatibility/2006" xmlns:p15="http://schemas.microsoft.com/office/powerpoint/2012/main">
+    <mc:Choice Requires="p15">
+      <p:transition xmlns:p14="http://schemas.microsoft.com/office/powerpoint/2010/main" spd="slow" p14:dur="2000">
+        <p15:prstTrans prst="prestige"/>
+      </p:transition>
+    </mc:Choice>
+    <mc:Fallback xmlns="">
+      <p:transition spd="slow">
+        <p:fade/>
+      </p:transition>
+    </mc:Fallback>
+  </mc:AlternateContent>
+  <p:timing>
+    <p:tnLst>
+      <p:par>
+        <p:cTn id="1" dur="indefinite" restart="never" nodeType="tmRoot"/>
+      </p:par>
+    </p:tnLst>
+  </p:timing>
+</p:sld>
+</file>
+
+<file path=ppt/slides/slide8.xml><?xml version="1.0" encoding="utf-8"?>
+<p:sld xmlns:a="http://schemas.openxmlformats.org/drawingml/2006/main" xmlns:r="http://schemas.openxmlformats.org/officeDocument/2006/relationships" xmlns:p="http://schemas.openxmlformats.org/presentationml/2006/main">
+  <p:cSld>
+    <p:spTree>
+      <p:nvGrpSpPr>
+        <p:cNvPr id="1" name=""/>
+        <p:cNvGrpSpPr/>
+        <p:nvPr/>
+      </p:nvGrpSpPr>
+      <p:grpSpPr>
+        <a:xfrm>
+          <a:off x="0" y="0"/>
+          <a:ext cx="0" cy="0"/>
+          <a:chOff x="0" y="0"/>
+          <a:chExt cx="0" cy="0"/>
+        </a:xfrm>
+      </p:grpSpPr>
+      <p:sp>
+        <p:nvSpPr>
+          <p:cNvPr id="2" name="標題 1"/>
+          <p:cNvSpPr>
+            <a:spLocks noGrp="1"/>
+          </p:cNvSpPr>
+          <p:nvPr>
+            <p:ph type="title"/>
+          </p:nvPr>
+        </p:nvSpPr>
+        <p:spPr/>
+        <p:txBody>
+          <a:bodyPr/>
+          <a:lstStyle/>
+          <a:p>
+            <a:r>
+              <a:rPr lang="en-US" altLang="zh-TW" dirty="0" smtClean="0"/>
+              <a:t>Conclusion</a:t>
+            </a:r>
+            <a:endParaRPr lang="zh-TW" altLang="en-US" dirty="0"/>
+          </a:p>
+        </p:txBody>
+      </p:sp>
+      <p:sp>
+        <p:nvSpPr>
+          <p:cNvPr id="3" name="內容版面配置區 2"/>
+          <p:cNvSpPr>
+            <a:spLocks noGrp="1"/>
+          </p:cNvSpPr>
+          <p:nvPr>
+            <p:ph idx="1"/>
+          </p:nvPr>
+        </p:nvSpPr>
+        <p:spPr/>
+        <p:txBody>
+          <a:bodyPr/>
+          <a:lstStyle/>
+          <a:p>
+            <a:pPr>
+              <a:lnSpc>
+                <a:spcPct val="150000"/>
+              </a:lnSpc>
+            </a:pPr>
+            <a:r>
+              <a:rPr lang="en-US" altLang="zh-TW" dirty="0"/>
+              <a:t>My hypothesis is correct. I learn that Wool is the warmest fabric, Acrylic the second, and Nylon the </a:t>
+            </a:r>
+            <a:r>
+              <a:rPr lang="en-US" altLang="zh-TW" dirty="0" smtClean="0"/>
+              <a:t>third.</a:t>
+            </a:r>
+            <a:endParaRPr lang="zh-TW" altLang="en-US" dirty="0"/>
+          </a:p>
+        </p:txBody>
+      </p:sp>
+    </p:spTree>
+    <p:extLst>
+      <p:ext uri="{BB962C8B-B14F-4D97-AF65-F5344CB8AC3E}">
+        <p14:creationId xmlns:p14="http://schemas.microsoft.com/office/powerpoint/2010/main" val="1054905296"/>
+      </p:ext>
+    </p:extLst>
+  </p:cSld>
+  <p:clrMapOvr>
+    <a:masterClrMapping/>
+  </p:clrMapOvr>
+  <mc:AlternateContent xmlns:mc="http://schemas.openxmlformats.org/markup-compatibility/2006" xmlns:p15="http://schemas.microsoft.com/office/powerpoint/2012/main">
+    <mc:Choice Requires="p15">
+      <p:transition xmlns:p14="http://schemas.microsoft.com/office/powerpoint/2010/main" spd="slow" p14:dur="2000">
+        <p15:prstTrans prst="drape"/>
+      </p:transition>
+    </mc:Choice>
+    <mc:Fallback xmlns="">
+      <p:transition spd="slow">
+        <p:fade/>
+      </p:transition>
+    </mc:Fallback>
+  </mc:AlternateContent>
+  <p:timing>
+    <p:tnLst>
+      <p:par>
+        <p:cTn id="1" dur="indefinite" restart="never" nodeType="tmRoot"/>
+      </p:par>
+    </p:tnLst>
+  </p:timing>
+</p:sld>
+</file>
+
+<file path=ppt/slides/slide9.xml><?xml version="1.0" encoding="utf-8"?>
+<p:sld xmlns:a="http://schemas.openxmlformats.org/drawingml/2006/main" xmlns:r="http://schemas.openxmlformats.org/officeDocument/2006/relationships" xmlns:p="http://schemas.openxmlformats.org/presentationml/2006/main">
+  <p:cSld>
+    <p:spTree>
+      <p:nvGrpSpPr>
+        <p:cNvPr id="1" name=""/>
+        <p:cNvGrpSpPr/>
+        <p:nvPr/>
+      </p:nvGrpSpPr>
+      <p:grpSpPr>
+        <a:xfrm>
+          <a:off x="0" y="0"/>
+          <a:ext cx="0" cy="0"/>
+          <a:chOff x="0" y="0"/>
+          <a:chExt cx="0" cy="0"/>
+        </a:xfrm>
+      </p:grpSpPr>
+      <p:sp>
+        <p:nvSpPr>
+          <p:cNvPr id="2" name="標題 1"/>
+          <p:cNvSpPr>
+            <a:spLocks noGrp="1"/>
+          </p:cNvSpPr>
+          <p:nvPr>
+            <p:ph type="title"/>
+          </p:nvPr>
+        </p:nvSpPr>
+        <p:spPr/>
+        <p:txBody>
+          <a:bodyPr/>
+          <a:lstStyle/>
+          <a:p>
+            <a:r>
+              <a:rPr lang="en-US" altLang="zh-TW" dirty="0" smtClean="0"/>
               <a:t>References</a:t>
             </a:r>
             <a:endParaRPr lang="zh-TW" altLang="en-US" dirty="0"/>
@@ -7683,13 +8874,13 @@
   <p:clrMapOvr>
     <a:masterClrMapping/>
   </p:clrMapOvr>
-  <mc:AlternateContent xmlns:mc="http://schemas.openxmlformats.org/markup-compatibility/2006">
-    <mc:Choice xmlns:p15="http://schemas.microsoft.com/office/powerpoint/2012/main" Requires="p15">
+  <mc:AlternateContent xmlns:mc="http://schemas.openxmlformats.org/markup-compatibility/2006" xmlns:p15="http://schemas.microsoft.com/office/powerpoint/2012/main">
+    <mc:Choice Requires="p15">
       <p:transition xmlns:p14="http://schemas.microsoft.com/office/powerpoint/2010/main" spd="slow" p14:dur="2000">
         <p15:prstTrans prst="wind"/>
       </p:transition>
     </mc:Choice>
-    <mc:Fallback>
+    <mc:Fallback xmlns="">
       <p:transition spd="slow">
         <p:fade/>
       </p:transition>
@@ -7830,1314 +9021,6 @@
             </p:seq>
           </p:childTnLst>
         </p:cTn>
-      </p:par>
-    </p:tnLst>
-  </p:timing>
-</p:sld>
-</file>
-
-<file path=ppt/slides/slide2.xml><?xml version="1.0" encoding="utf-8"?>
-<p:sld xmlns:a="http://schemas.openxmlformats.org/drawingml/2006/main" xmlns:r="http://schemas.openxmlformats.org/officeDocument/2006/relationships" xmlns:p="http://schemas.openxmlformats.org/presentationml/2006/main">
-  <p:cSld>
-    <p:spTree>
-      <p:nvGrpSpPr>
-        <p:cNvPr id="1" name=""/>
-        <p:cNvGrpSpPr/>
-        <p:nvPr/>
-      </p:nvGrpSpPr>
-      <p:grpSpPr>
-        <a:xfrm>
-          <a:off x="0" y="0"/>
-          <a:ext cx="0" cy="0"/>
-          <a:chOff x="0" y="0"/>
-          <a:chExt cx="0" cy="0"/>
-        </a:xfrm>
-      </p:grpSpPr>
-      <p:sp>
-        <p:nvSpPr>
-          <p:cNvPr id="2" name="標題 1"/>
-          <p:cNvSpPr>
-            <a:spLocks noGrp="1"/>
-          </p:cNvSpPr>
-          <p:nvPr>
-            <p:ph type="title"/>
-          </p:nvPr>
-        </p:nvSpPr>
-        <p:spPr/>
-        <p:txBody>
-          <a:bodyPr/>
-          <a:lstStyle/>
-          <a:p>
-            <a:r>
-              <a:rPr lang="en-US" altLang="zh-TW" dirty="0" smtClean="0"/>
-              <a:t>Introduction</a:t>
-            </a:r>
-            <a:endParaRPr lang="zh-TW" altLang="en-US" dirty="0"/>
-          </a:p>
-        </p:txBody>
-      </p:sp>
-      <p:sp>
-        <p:nvSpPr>
-          <p:cNvPr id="3" name="內容版面配置區 2"/>
-          <p:cNvSpPr>
-            <a:spLocks noGrp="1"/>
-          </p:cNvSpPr>
-          <p:nvPr>
-            <p:ph idx="1"/>
-          </p:nvPr>
-        </p:nvSpPr>
-        <p:spPr/>
-        <p:txBody>
-          <a:bodyPr vert="horz" lIns="91440" tIns="45720" rIns="91440" bIns="45720" rtlCol="0" anchor="t">
-            <a:normAutofit/>
-          </a:bodyPr>
-          <a:lstStyle/>
-          <a:p>
-            <a:pPr>
-              <a:lnSpc>
-                <a:spcPct val="150000"/>
-              </a:lnSpc>
-            </a:pPr>
-            <a:r>
-              <a:rPr lang="en-US" altLang="zh-TW" dirty="0"/>
-              <a:t>When I went to other countries with higher latitudes, the temperature is extremely low, and I have to wear so many layers of thick clothes. Can I wear only a little amount of cloth and have the same effect? In this Experiment, I will test many well-known fabric and test which fabric is the warmest.</a:t>
-            </a:r>
-            <a:endParaRPr lang="zh-TW" altLang="zh-TW" dirty="0"/>
-          </a:p>
-          <a:p>
-            <a:endParaRPr lang="zh-TW" altLang="en-US" dirty="0">
-              <a:latin typeface="新細明體"/>
-            </a:endParaRPr>
-          </a:p>
-        </p:txBody>
-      </p:sp>
-    </p:spTree>
-    <p:extLst>
-      <p:ext uri="{BB962C8B-B14F-4D97-AF65-F5344CB8AC3E}">
-        <p14:creationId xmlns:p14="http://schemas.microsoft.com/office/powerpoint/2010/main" val="3503795774"/>
-      </p:ext>
-    </p:extLst>
-  </p:cSld>
-  <p:clrMapOvr>
-    <a:masterClrMapping/>
-  </p:clrMapOvr>
-  <mc:AlternateContent xmlns:mc="http://schemas.openxmlformats.org/markup-compatibility/2006">
-    <mc:Choice xmlns:p15="http://schemas.microsoft.com/office/powerpoint/2012/main" Requires="p15">
-      <p:transition xmlns:p14="http://schemas.microsoft.com/office/powerpoint/2010/main" spd="slow" p14:dur="2000">
-        <p15:prstTrans prst="prestige"/>
-      </p:transition>
-    </mc:Choice>
-    <mc:Fallback>
-      <p:transition spd="slow">
-        <p:fade/>
-      </p:transition>
-    </mc:Fallback>
-  </mc:AlternateContent>
-  <p:timing>
-    <p:tnLst>
-      <p:par>
-        <p:cTn id="1" dur="indefinite" restart="never" nodeType="tmRoot"/>
-      </p:par>
-    </p:tnLst>
-  </p:timing>
-</p:sld>
-</file>
-
-<file path=ppt/slides/slide3.xml><?xml version="1.0" encoding="utf-8"?>
-<p:sld xmlns:a="http://schemas.openxmlformats.org/drawingml/2006/main" xmlns:r="http://schemas.openxmlformats.org/officeDocument/2006/relationships" xmlns:p="http://schemas.openxmlformats.org/presentationml/2006/main">
-  <p:cSld>
-    <p:spTree>
-      <p:nvGrpSpPr>
-        <p:cNvPr id="1" name=""/>
-        <p:cNvGrpSpPr/>
-        <p:nvPr/>
-      </p:nvGrpSpPr>
-      <p:grpSpPr>
-        <a:xfrm>
-          <a:off x="0" y="0"/>
-          <a:ext cx="0" cy="0"/>
-          <a:chOff x="0" y="0"/>
-          <a:chExt cx="0" cy="0"/>
-        </a:xfrm>
-      </p:grpSpPr>
-      <p:sp>
-        <p:nvSpPr>
-          <p:cNvPr id="2" name="標題 1"/>
-          <p:cNvSpPr>
-            <a:spLocks noGrp="1"/>
-          </p:cNvSpPr>
-          <p:nvPr>
-            <p:ph type="title"/>
-          </p:nvPr>
-        </p:nvSpPr>
-        <p:spPr/>
-        <p:txBody>
-          <a:bodyPr/>
-          <a:lstStyle/>
-          <a:p>
-            <a:r>
-              <a:rPr lang="en-US" altLang="zh-TW" dirty="0" smtClean="0"/>
-              <a:t>Research</a:t>
-            </a:r>
-            <a:endParaRPr lang="zh-TW" altLang="en-US" dirty="0"/>
-          </a:p>
-        </p:txBody>
-      </p:sp>
-      <p:sp>
-        <p:nvSpPr>
-          <p:cNvPr id="3" name="內容版面配置區 2"/>
-          <p:cNvSpPr>
-            <a:spLocks noGrp="1"/>
-          </p:cNvSpPr>
-          <p:nvPr>
-            <p:ph idx="1"/>
-          </p:nvPr>
-        </p:nvSpPr>
-        <p:spPr/>
-        <p:txBody>
-          <a:bodyPr/>
-          <a:lstStyle/>
-          <a:p>
-            <a:r>
-              <a:rPr lang="en-US" altLang="zh-TW" dirty="0" smtClean="0"/>
-              <a:t>Cotton? Wool?</a:t>
-            </a:r>
-          </a:p>
-          <a:p>
-            <a:endParaRPr lang="zh-TW" altLang="en-US" dirty="0"/>
-          </a:p>
-        </p:txBody>
-      </p:sp>
-      <p:pic>
-        <p:nvPicPr>
-          <p:cNvPr id="4" name="圖片 3"/>
-          <p:cNvPicPr>
-            <a:picLocks noChangeAspect="1"/>
-          </p:cNvPicPr>
-          <p:nvPr/>
-        </p:nvPicPr>
-        <p:blipFill>
-          <a:blip r:embed="rId2">
-            <a:extLst>
-              <a:ext uri="{28A0092B-C50C-407E-A947-70E740481C1C}">
-                <a14:useLocalDpi xmlns:a14="http://schemas.microsoft.com/office/drawing/2010/main" val="0"/>
-              </a:ext>
-            </a:extLst>
-          </a:blip>
-          <a:stretch>
-            <a:fillRect/>
-          </a:stretch>
-        </p:blipFill>
-        <p:spPr>
-          <a:xfrm>
-            <a:off x="1045490" y="2615329"/>
-            <a:ext cx="3206376" cy="3603356"/>
-          </a:xfrm>
-          <a:prstGeom prst="rect">
-            <a:avLst/>
-          </a:prstGeom>
-        </p:spPr>
-      </p:pic>
-      <p:sp>
-        <p:nvSpPr>
-          <p:cNvPr id="6" name="文字方塊 5"/>
-          <p:cNvSpPr txBox="1"/>
-          <p:nvPr/>
-        </p:nvSpPr>
-        <p:spPr>
-          <a:xfrm>
-            <a:off x="4818441" y="2643200"/>
-            <a:ext cx="25511611" cy="2031325"/>
-          </a:xfrm>
-          <a:prstGeom prst="rect">
-            <a:avLst/>
-          </a:prstGeom>
-          <a:noFill/>
-        </p:spPr>
-        <p:txBody>
-          <a:bodyPr wrap="square" rtlCol="0">
-            <a:spAutoFit/>
-          </a:bodyPr>
-          <a:lstStyle/>
-          <a:p>
-            <a:pPr>
-              <a:lnSpc>
-                <a:spcPct val="150000"/>
-              </a:lnSpc>
-            </a:pPr>
-            <a:r>
-              <a:rPr lang="en-US" altLang="zh-TW" dirty="0"/>
-              <a:t>Acrylic fabric is a fabric made by acrylic. </a:t>
-            </a:r>
-            <a:endParaRPr lang="en-US" altLang="zh-TW" dirty="0" smtClean="0"/>
-          </a:p>
-          <a:p>
-            <a:pPr>
-              <a:lnSpc>
-                <a:spcPct val="150000"/>
-              </a:lnSpc>
-            </a:pPr>
-            <a:r>
-              <a:rPr lang="en-US" altLang="zh-TW" dirty="0" smtClean="0"/>
-              <a:t>Wool </a:t>
-            </a:r>
-            <a:r>
-              <a:rPr lang="en-US" altLang="zh-TW" dirty="0"/>
-              <a:t>is a fabric from sheep’s fur. </a:t>
-            </a:r>
-            <a:endParaRPr lang="en-US" altLang="zh-TW" dirty="0" smtClean="0"/>
-          </a:p>
-          <a:p>
-            <a:pPr>
-              <a:lnSpc>
-                <a:spcPct val="150000"/>
-              </a:lnSpc>
-            </a:pPr>
-            <a:r>
-              <a:rPr lang="en-US" altLang="zh-TW" dirty="0" smtClean="0"/>
-              <a:t>Nylon </a:t>
-            </a:r>
-            <a:r>
-              <a:rPr lang="en-US" altLang="zh-TW" dirty="0"/>
-              <a:t>is a lightweight fabric with a lot of strength. </a:t>
-            </a:r>
-            <a:endParaRPr lang="en-US" altLang="zh-TW" dirty="0" smtClean="0"/>
-          </a:p>
-          <a:p>
-            <a:pPr>
-              <a:lnSpc>
-                <a:spcPct val="150000"/>
-              </a:lnSpc>
-            </a:pPr>
-            <a:r>
-              <a:rPr lang="en-US" altLang="zh-TW" dirty="0" smtClean="0"/>
-              <a:t>Cotton </a:t>
-            </a:r>
-            <a:r>
-              <a:rPr lang="en-US" altLang="zh-TW" dirty="0"/>
-              <a:t>is a fabric made from cotton plant.</a:t>
-            </a:r>
-            <a:endParaRPr lang="zh-TW" altLang="zh-TW" dirty="0"/>
-          </a:p>
-          <a:p>
-            <a:endParaRPr lang="zh-TW" altLang="en-US" dirty="0"/>
-          </a:p>
-        </p:txBody>
-      </p:sp>
-      <p:sp>
-        <p:nvSpPr>
-          <p:cNvPr id="7" name="圓角矩形圖說文字 6"/>
-          <p:cNvSpPr/>
-          <p:nvPr/>
-        </p:nvSpPr>
-        <p:spPr>
-          <a:xfrm>
-            <a:off x="2400016" y="2549462"/>
-            <a:ext cx="1423425" cy="829160"/>
-          </a:xfrm>
-          <a:prstGeom prst="wedgeRoundRectCallout">
-            <a:avLst/>
-          </a:prstGeom>
-        </p:spPr>
-        <p:style>
-          <a:lnRef idx="2">
-            <a:schemeClr val="accent3">
-              <a:shade val="50000"/>
-            </a:schemeClr>
-          </a:lnRef>
-          <a:fillRef idx="1">
-            <a:schemeClr val="accent3"/>
-          </a:fillRef>
-          <a:effectRef idx="0">
-            <a:schemeClr val="accent3"/>
-          </a:effectRef>
-          <a:fontRef idx="minor">
-            <a:schemeClr val="lt1"/>
-          </a:fontRef>
-        </p:style>
-        <p:txBody>
-          <a:bodyPr rtlCol="0" anchor="ctr"/>
-          <a:lstStyle/>
-          <a:p>
-            <a:pPr algn="ctr"/>
-            <a:r>
-              <a:rPr lang="en-US" altLang="zh-TW" dirty="0" smtClean="0"/>
-              <a:t>Meh!</a:t>
-            </a:r>
-            <a:endParaRPr lang="zh-TW" altLang="en-US" dirty="0"/>
-          </a:p>
-        </p:txBody>
-      </p:sp>
-    </p:spTree>
-    <p:extLst>
-      <p:ext uri="{BB962C8B-B14F-4D97-AF65-F5344CB8AC3E}">
-        <p14:creationId xmlns:p14="http://schemas.microsoft.com/office/powerpoint/2010/main" val="3672446951"/>
-      </p:ext>
-    </p:extLst>
-  </p:cSld>
-  <p:clrMapOvr>
-    <a:masterClrMapping/>
-  </p:clrMapOvr>
-  <mc:AlternateContent xmlns:mc="http://schemas.openxmlformats.org/markup-compatibility/2006">
-    <mc:Choice xmlns:p15="http://schemas.microsoft.com/office/powerpoint/2012/main" Requires="p15">
-      <p:transition xmlns:p14="http://schemas.microsoft.com/office/powerpoint/2010/main" spd="slow" p14:dur="2000">
-        <p15:prstTrans prst="fallOver"/>
-      </p:transition>
-    </mc:Choice>
-    <mc:Fallback>
-      <p:transition spd="slow">
-        <p:fade/>
-      </p:transition>
-    </mc:Fallback>
-  </mc:AlternateContent>
-  <p:timing>
-    <p:tnLst>
-      <p:par>
-        <p:cTn id="1" dur="indefinite" restart="never" nodeType="tmRoot"/>
-      </p:par>
-    </p:tnLst>
-  </p:timing>
-</p:sld>
-</file>
-
-<file path=ppt/slides/slide4.xml><?xml version="1.0" encoding="utf-8"?>
-<p:sld xmlns:a="http://schemas.openxmlformats.org/drawingml/2006/main" xmlns:r="http://schemas.openxmlformats.org/officeDocument/2006/relationships" xmlns:p="http://schemas.openxmlformats.org/presentationml/2006/main">
-  <p:cSld>
-    <p:spTree>
-      <p:nvGrpSpPr>
-        <p:cNvPr id="1" name=""/>
-        <p:cNvGrpSpPr/>
-        <p:nvPr/>
-      </p:nvGrpSpPr>
-      <p:grpSpPr>
-        <a:xfrm>
-          <a:off x="0" y="0"/>
-          <a:ext cx="0" cy="0"/>
-          <a:chOff x="0" y="0"/>
-          <a:chExt cx="0" cy="0"/>
-        </a:xfrm>
-      </p:grpSpPr>
-      <p:sp>
-        <p:nvSpPr>
-          <p:cNvPr id="2" name="標題 1"/>
-          <p:cNvSpPr>
-            <a:spLocks noGrp="1"/>
-          </p:cNvSpPr>
-          <p:nvPr>
-            <p:ph type="title"/>
-          </p:nvPr>
-        </p:nvSpPr>
-        <p:spPr/>
-        <p:txBody>
-          <a:bodyPr/>
-          <a:lstStyle/>
-          <a:p>
-            <a:r>
-              <a:rPr lang="en-US" altLang="zh-TW" dirty="0" smtClean="0"/>
-              <a:t>Hypothesis</a:t>
-            </a:r>
-            <a:endParaRPr lang="zh-TW" altLang="en-US" dirty="0"/>
-          </a:p>
-        </p:txBody>
-      </p:sp>
-      <p:sp>
-        <p:nvSpPr>
-          <p:cNvPr id="3" name="內容版面配置區 2"/>
-          <p:cNvSpPr>
-            <a:spLocks noGrp="1"/>
-          </p:cNvSpPr>
-          <p:nvPr>
-            <p:ph idx="1"/>
-          </p:nvPr>
-        </p:nvSpPr>
-        <p:spPr/>
-        <p:txBody>
-          <a:bodyPr/>
-          <a:lstStyle/>
-          <a:p>
-            <a:pPr>
-              <a:lnSpc>
-                <a:spcPct val="150000"/>
-              </a:lnSpc>
-            </a:pPr>
-            <a:r>
-              <a:rPr lang="en-US" altLang="zh-TW" dirty="0"/>
-              <a:t>I guess that wool is the warmest fabric. Because sheep can use it to keep from cold, and many people thinks so. Also, maybe cotton will have a good effect, because it is the most popular fabric, too.</a:t>
-            </a:r>
-            <a:endParaRPr lang="zh-TW" altLang="zh-TW" dirty="0"/>
-          </a:p>
-          <a:p>
-            <a:endParaRPr lang="zh-TW" altLang="en-US" dirty="0"/>
-          </a:p>
-        </p:txBody>
-      </p:sp>
-    </p:spTree>
-    <p:extLst>
-      <p:ext uri="{BB962C8B-B14F-4D97-AF65-F5344CB8AC3E}">
-        <p14:creationId xmlns:p14="http://schemas.microsoft.com/office/powerpoint/2010/main" val="3417405016"/>
-      </p:ext>
-    </p:extLst>
-  </p:cSld>
-  <p:clrMapOvr>
-    <a:masterClrMapping/>
-  </p:clrMapOvr>
-  <mc:AlternateContent xmlns:mc="http://schemas.openxmlformats.org/markup-compatibility/2006">
-    <mc:Choice xmlns:p15="http://schemas.microsoft.com/office/powerpoint/2012/main" Requires="p15">
-      <p:transition xmlns:p14="http://schemas.microsoft.com/office/powerpoint/2010/main" spd="slow" p14:dur="2000">
-        <p15:prstTrans prst="wind"/>
-      </p:transition>
-    </mc:Choice>
-    <mc:Fallback>
-      <p:transition spd="slow">
-        <p:fade/>
-      </p:transition>
-    </mc:Fallback>
-  </mc:AlternateContent>
-  <p:timing>
-    <p:tnLst>
-      <p:par>
-        <p:cTn id="1" dur="indefinite" restart="never" nodeType="tmRoot"/>
-      </p:par>
-    </p:tnLst>
-  </p:timing>
-</p:sld>
-</file>
-
-<file path=ppt/slides/slide5.xml><?xml version="1.0" encoding="utf-8"?>
-<p:sld xmlns:a="http://schemas.openxmlformats.org/drawingml/2006/main" xmlns:r="http://schemas.openxmlformats.org/officeDocument/2006/relationships" xmlns:p="http://schemas.openxmlformats.org/presentationml/2006/main">
-  <p:cSld>
-    <p:spTree>
-      <p:nvGrpSpPr>
-        <p:cNvPr id="1" name=""/>
-        <p:cNvGrpSpPr/>
-        <p:nvPr/>
-      </p:nvGrpSpPr>
-      <p:grpSpPr>
-        <a:xfrm>
-          <a:off x="0" y="0"/>
-          <a:ext cx="0" cy="0"/>
-          <a:chOff x="0" y="0"/>
-          <a:chExt cx="0" cy="0"/>
-        </a:xfrm>
-      </p:grpSpPr>
-      <p:sp>
-        <p:nvSpPr>
-          <p:cNvPr id="2" name="標題 1"/>
-          <p:cNvSpPr>
-            <a:spLocks noGrp="1"/>
-          </p:cNvSpPr>
-          <p:nvPr>
-            <p:ph type="title"/>
-          </p:nvPr>
-        </p:nvSpPr>
-        <p:spPr/>
-        <p:txBody>
-          <a:bodyPr/>
-          <a:lstStyle/>
-          <a:p>
-            <a:r>
-              <a:rPr lang="en-US" altLang="zh-TW" dirty="0" smtClean="0"/>
-              <a:t>Materials</a:t>
-            </a:r>
-            <a:endParaRPr lang="zh-TW" altLang="en-US" dirty="0"/>
-          </a:p>
-        </p:txBody>
-      </p:sp>
-      <p:sp>
-        <p:nvSpPr>
-          <p:cNvPr id="3" name="內容版面配置區 2"/>
-          <p:cNvSpPr>
-            <a:spLocks noGrp="1"/>
-          </p:cNvSpPr>
-          <p:nvPr>
-            <p:ph idx="1"/>
-          </p:nvPr>
-        </p:nvSpPr>
-        <p:spPr/>
-        <p:txBody>
-          <a:bodyPr/>
-          <a:lstStyle/>
-          <a:p>
-            <a:pPr lvl="0"/>
-            <a:r>
-              <a:rPr lang="en-US" altLang="zh-TW" dirty="0"/>
-              <a:t>Stop Watch×1</a:t>
-            </a:r>
-            <a:endParaRPr lang="zh-TW" altLang="zh-TW" dirty="0"/>
-          </a:p>
-          <a:p>
-            <a:pPr lvl="0"/>
-            <a:r>
-              <a:rPr lang="en-US" altLang="zh-TW" dirty="0"/>
-              <a:t>Glass Cup×5</a:t>
-            </a:r>
-            <a:endParaRPr lang="zh-TW" altLang="zh-TW" dirty="0"/>
-          </a:p>
-          <a:p>
-            <a:pPr lvl="0"/>
-            <a:r>
-              <a:rPr lang="en-US" altLang="zh-TW" dirty="0"/>
-              <a:t>Nylon Fabric×1</a:t>
-            </a:r>
-            <a:endParaRPr lang="zh-TW" altLang="zh-TW" dirty="0"/>
-          </a:p>
-          <a:p>
-            <a:pPr lvl="0"/>
-            <a:r>
-              <a:rPr lang="en-US" altLang="zh-TW" dirty="0"/>
-              <a:t>Acrylic Cloth×1</a:t>
-            </a:r>
-            <a:endParaRPr lang="zh-TW" altLang="zh-TW" dirty="0"/>
-          </a:p>
-          <a:p>
-            <a:pPr lvl="0"/>
-            <a:r>
-              <a:rPr lang="en-US" altLang="zh-TW" dirty="0"/>
-              <a:t>Wool Hat×1</a:t>
-            </a:r>
-            <a:endParaRPr lang="zh-TW" altLang="zh-TW" dirty="0"/>
-          </a:p>
-          <a:p>
-            <a:pPr lvl="0"/>
-            <a:r>
-              <a:rPr lang="en-US" altLang="zh-TW" dirty="0"/>
-              <a:t>Cotton Shirt×1</a:t>
-            </a:r>
-            <a:endParaRPr lang="zh-TW" altLang="zh-TW" dirty="0"/>
-          </a:p>
-          <a:p>
-            <a:pPr lvl="0"/>
-            <a:r>
-              <a:rPr lang="en-US" altLang="zh-TW" dirty="0"/>
-              <a:t>Refrigerator×1</a:t>
-            </a:r>
-            <a:endParaRPr lang="zh-TW" altLang="zh-TW" dirty="0"/>
-          </a:p>
-          <a:p>
-            <a:pPr lvl="0"/>
-            <a:r>
-              <a:rPr lang="en-US" altLang="zh-TW" dirty="0"/>
-              <a:t>Water</a:t>
-            </a:r>
-            <a:endParaRPr lang="zh-TW" altLang="zh-TW" dirty="0"/>
-          </a:p>
-          <a:p>
-            <a:pPr lvl="0"/>
-            <a:r>
-              <a:rPr lang="en-US" altLang="zh-TW" dirty="0"/>
-              <a:t>Thermometer×1</a:t>
-            </a:r>
-            <a:endParaRPr lang="zh-TW" altLang="zh-TW" dirty="0"/>
-          </a:p>
-          <a:p>
-            <a:endParaRPr lang="zh-TW" altLang="en-US" dirty="0"/>
-          </a:p>
-        </p:txBody>
-      </p:sp>
-    </p:spTree>
-    <p:extLst>
-      <p:ext uri="{BB962C8B-B14F-4D97-AF65-F5344CB8AC3E}">
-        <p14:creationId xmlns:p14="http://schemas.microsoft.com/office/powerpoint/2010/main" val="1167042102"/>
-      </p:ext>
-    </p:extLst>
-  </p:cSld>
-  <p:clrMapOvr>
-    <a:masterClrMapping/>
-  </p:clrMapOvr>
-  <p:transition spd="slow">
-    <p:push dir="u"/>
-  </p:transition>
-  <p:timing>
-    <p:tnLst>
-      <p:par>
-        <p:cTn id="1" dur="indefinite" restart="never" nodeType="tmRoot"/>
-      </p:par>
-    </p:tnLst>
-  </p:timing>
-</p:sld>
-</file>
-
-<file path=ppt/slides/slide6.xml><?xml version="1.0" encoding="utf-8"?>
-<p:sld xmlns:a="http://schemas.openxmlformats.org/drawingml/2006/main" xmlns:r="http://schemas.openxmlformats.org/officeDocument/2006/relationships" xmlns:p="http://schemas.openxmlformats.org/presentationml/2006/main">
-  <p:cSld>
-    <p:spTree>
-      <p:nvGrpSpPr>
-        <p:cNvPr id="1" name=""/>
-        <p:cNvGrpSpPr/>
-        <p:nvPr/>
-      </p:nvGrpSpPr>
-      <p:grpSpPr>
-        <a:xfrm>
-          <a:off x="0" y="0"/>
-          <a:ext cx="0" cy="0"/>
-          <a:chOff x="0" y="0"/>
-          <a:chExt cx="0" cy="0"/>
-        </a:xfrm>
-      </p:grpSpPr>
-      <p:sp>
-        <p:nvSpPr>
-          <p:cNvPr id="2" name="標題 1"/>
-          <p:cNvSpPr>
-            <a:spLocks noGrp="1"/>
-          </p:cNvSpPr>
-          <p:nvPr>
-            <p:ph type="title"/>
-          </p:nvPr>
-        </p:nvSpPr>
-        <p:spPr/>
-        <p:txBody>
-          <a:bodyPr/>
-          <a:lstStyle/>
-          <a:p>
-            <a:r>
-              <a:rPr lang="en-US" altLang="zh-TW" dirty="0" smtClean="0"/>
-              <a:t>Procedures</a:t>
-            </a:r>
-            <a:endParaRPr lang="zh-TW" altLang="en-US" dirty="0"/>
-          </a:p>
-        </p:txBody>
-      </p:sp>
-      <p:sp>
-        <p:nvSpPr>
-          <p:cNvPr id="3" name="內容版面配置區 2"/>
-          <p:cNvSpPr>
-            <a:spLocks noGrp="1"/>
-          </p:cNvSpPr>
-          <p:nvPr>
-            <p:ph idx="1"/>
-          </p:nvPr>
-        </p:nvSpPr>
-        <p:spPr/>
-        <p:txBody>
-          <a:bodyPr/>
-          <a:lstStyle/>
-          <a:p>
-            <a:pPr lvl="0"/>
-            <a:r>
-              <a:rPr lang="en-US" altLang="zh-TW" dirty="0"/>
-              <a:t>Place a same amount of water in every glass cup</a:t>
-            </a:r>
-            <a:endParaRPr lang="zh-TW" altLang="zh-TW" dirty="0"/>
-          </a:p>
-          <a:p>
-            <a:pPr lvl="0"/>
-            <a:r>
-              <a:rPr lang="en-US" altLang="zh-TW" dirty="0"/>
-              <a:t>Cover every glass cup with same width of </a:t>
-            </a:r>
-            <a:r>
-              <a:rPr lang="en-US" altLang="zh-TW" dirty="0" smtClean="0"/>
-              <a:t>fabric</a:t>
-            </a:r>
-          </a:p>
-          <a:p>
-            <a:r>
-              <a:rPr lang="en-US" altLang="zh-TW" dirty="0"/>
-              <a:t>Put them in a refrigerator</a:t>
-            </a:r>
-            <a:endParaRPr lang="zh-TW" altLang="zh-TW" dirty="0"/>
-          </a:p>
-          <a:p>
-            <a:pPr lvl="0"/>
-            <a:r>
-              <a:rPr lang="en-US" altLang="zh-TW" dirty="0"/>
-              <a:t>Measure the temperature of the water every 12 minutes</a:t>
-            </a:r>
-            <a:endParaRPr lang="zh-TW" altLang="zh-TW" dirty="0"/>
-          </a:p>
-          <a:p>
-            <a:endParaRPr lang="zh-TW" altLang="en-US" dirty="0"/>
-          </a:p>
-        </p:txBody>
-      </p:sp>
-    </p:spTree>
-    <p:extLst>
-      <p:ext uri="{BB962C8B-B14F-4D97-AF65-F5344CB8AC3E}">
-        <p14:creationId xmlns:p14="http://schemas.microsoft.com/office/powerpoint/2010/main" val="1345681286"/>
-      </p:ext>
-    </p:extLst>
-  </p:cSld>
-  <p:clrMapOvr>
-    <a:masterClrMapping/>
-  </p:clrMapOvr>
-  <p:transition spd="slow">
-    <p:wipe/>
-  </p:transition>
-  <p:timing>
-    <p:tnLst>
-      <p:par>
-        <p:cTn id="1" dur="indefinite" restart="never" nodeType="tmRoot"/>
-      </p:par>
-    </p:tnLst>
-  </p:timing>
-</p:sld>
-</file>
-
-<file path=ppt/slides/slide7.xml><?xml version="1.0" encoding="utf-8"?>
-<p:sld xmlns:a="http://schemas.openxmlformats.org/drawingml/2006/main" xmlns:r="http://schemas.openxmlformats.org/officeDocument/2006/relationships" xmlns:p="http://schemas.openxmlformats.org/presentationml/2006/main">
-  <p:cSld>
-    <p:spTree>
-      <p:nvGrpSpPr>
-        <p:cNvPr id="1" name=""/>
-        <p:cNvGrpSpPr/>
-        <p:nvPr/>
-      </p:nvGrpSpPr>
-      <p:grpSpPr>
-        <a:xfrm>
-          <a:off x="0" y="0"/>
-          <a:ext cx="0" cy="0"/>
-          <a:chOff x="0" y="0"/>
-          <a:chExt cx="0" cy="0"/>
-        </a:xfrm>
-      </p:grpSpPr>
-      <p:sp>
-        <p:nvSpPr>
-          <p:cNvPr id="2" name="標題 1"/>
-          <p:cNvSpPr>
-            <a:spLocks noGrp="1"/>
-          </p:cNvSpPr>
-          <p:nvPr>
-            <p:ph type="title"/>
-          </p:nvPr>
-        </p:nvSpPr>
-        <p:spPr/>
-        <p:txBody>
-          <a:bodyPr/>
-          <a:lstStyle/>
-          <a:p>
-            <a:r>
-              <a:rPr lang="en-US" altLang="zh-TW" dirty="0" smtClean="0"/>
-              <a:t>Experiment</a:t>
-            </a:r>
-            <a:endParaRPr lang="zh-TW" altLang="en-US" dirty="0"/>
-          </a:p>
-        </p:txBody>
-      </p:sp>
-      <p:pic>
-        <p:nvPicPr>
-          <p:cNvPr id="4" name="內容版面配置區 3"/>
-          <p:cNvPicPr>
-            <a:picLocks noGrp="1"/>
-          </p:cNvPicPr>
-          <p:nvPr>
-            <p:ph idx="1"/>
-          </p:nvPr>
-        </p:nvPicPr>
-        <p:blipFill>
-          <a:blip r:embed="rId2" cstate="print">
-            <a:extLst>
-              <a:ext uri="{28A0092B-C50C-407E-A947-70E740481C1C}">
-                <a14:useLocalDpi xmlns:a14="http://schemas.microsoft.com/office/drawing/2010/main" val="0"/>
-              </a:ext>
-            </a:extLst>
-          </a:blip>
-          <a:stretch>
-            <a:fillRect/>
-          </a:stretch>
-        </p:blipFill>
-        <p:spPr>
-          <a:xfrm>
-            <a:off x="2353988" y="1796846"/>
-            <a:ext cx="2502131" cy="1874520"/>
-          </a:xfrm>
-          <a:prstGeom prst="rect">
-            <a:avLst/>
-          </a:prstGeom>
-        </p:spPr>
-      </p:pic>
-      <p:pic>
-        <p:nvPicPr>
-          <p:cNvPr id="5" name="圖片 4"/>
-          <p:cNvPicPr/>
-          <p:nvPr/>
-        </p:nvPicPr>
-        <p:blipFill>
-          <a:blip r:embed="rId3" cstate="print">
-            <a:extLst>
-              <a:ext uri="{28A0092B-C50C-407E-A947-70E740481C1C}">
-                <a14:useLocalDpi xmlns:a14="http://schemas.microsoft.com/office/drawing/2010/main" val="0"/>
-              </a:ext>
-            </a:extLst>
-          </a:blip>
-          <a:stretch>
-            <a:fillRect/>
-          </a:stretch>
-        </p:blipFill>
-        <p:spPr>
-          <a:xfrm>
-            <a:off x="7316114" y="1830028"/>
-            <a:ext cx="2475865" cy="1856740"/>
-          </a:xfrm>
-          <a:prstGeom prst="rect">
-            <a:avLst/>
-          </a:prstGeom>
-        </p:spPr>
-      </p:pic>
-      <p:pic>
-        <p:nvPicPr>
-          <p:cNvPr id="6" name="圖片 5"/>
-          <p:cNvPicPr/>
-          <p:nvPr/>
-        </p:nvPicPr>
-        <p:blipFill>
-          <a:blip r:embed="rId4" cstate="print">
-            <a:extLst>
-              <a:ext uri="{28A0092B-C50C-407E-A947-70E740481C1C}">
-                <a14:useLocalDpi xmlns:a14="http://schemas.microsoft.com/office/drawing/2010/main" val="0"/>
-              </a:ext>
-            </a:extLst>
-          </a:blip>
-          <a:stretch>
-            <a:fillRect/>
-          </a:stretch>
-        </p:blipFill>
-        <p:spPr>
-          <a:xfrm>
-            <a:off x="4828184" y="1820503"/>
-            <a:ext cx="2487930" cy="1866265"/>
-          </a:xfrm>
-          <a:prstGeom prst="rect">
-            <a:avLst/>
-          </a:prstGeom>
-        </p:spPr>
-      </p:pic>
-      <p:pic>
-        <p:nvPicPr>
-          <p:cNvPr id="7" name="圖片 6"/>
-          <p:cNvPicPr/>
-          <p:nvPr/>
-        </p:nvPicPr>
-        <p:blipFill>
-          <a:blip r:embed="rId5" cstate="print">
-            <a:extLst>
-              <a:ext uri="{28A0092B-C50C-407E-A947-70E740481C1C}">
-                <a14:useLocalDpi xmlns:a14="http://schemas.microsoft.com/office/drawing/2010/main" val="0"/>
-              </a:ext>
-            </a:extLst>
-          </a:blip>
-          <a:stretch>
-            <a:fillRect/>
-          </a:stretch>
-        </p:blipFill>
-        <p:spPr>
-          <a:xfrm>
-            <a:off x="2353988" y="3677243"/>
-            <a:ext cx="2487930" cy="1866265"/>
-          </a:xfrm>
-          <a:prstGeom prst="rect">
-            <a:avLst/>
-          </a:prstGeom>
-        </p:spPr>
-      </p:pic>
-      <p:pic>
-        <p:nvPicPr>
-          <p:cNvPr id="8" name="圖片 7"/>
-          <p:cNvPicPr/>
-          <p:nvPr/>
-        </p:nvPicPr>
-        <p:blipFill>
-          <a:blip r:embed="rId6" cstate="print">
-            <a:extLst>
-              <a:ext uri="{28A0092B-C50C-407E-A947-70E740481C1C}">
-                <a14:useLocalDpi xmlns:a14="http://schemas.microsoft.com/office/drawing/2010/main" val="0"/>
-              </a:ext>
-            </a:extLst>
-          </a:blip>
-          <a:stretch>
-            <a:fillRect/>
-          </a:stretch>
-        </p:blipFill>
-        <p:spPr>
-          <a:xfrm>
-            <a:off x="4830591" y="3677243"/>
-            <a:ext cx="2487930" cy="1866265"/>
-          </a:xfrm>
-          <a:prstGeom prst="rect">
-            <a:avLst/>
-          </a:prstGeom>
-        </p:spPr>
-      </p:pic>
-      <p:pic>
-        <p:nvPicPr>
-          <p:cNvPr id="14" name="圖片 13"/>
-          <p:cNvPicPr/>
-          <p:nvPr/>
-        </p:nvPicPr>
-        <p:blipFill>
-          <a:blip r:embed="rId7" cstate="print">
-            <a:extLst>
-              <a:ext uri="{28A0092B-C50C-407E-A947-70E740481C1C}">
-                <a14:useLocalDpi xmlns:a14="http://schemas.microsoft.com/office/drawing/2010/main" val="0"/>
-              </a:ext>
-            </a:extLst>
-          </a:blip>
-          <a:stretch>
-            <a:fillRect/>
-          </a:stretch>
-        </p:blipFill>
-        <p:spPr>
-          <a:xfrm>
-            <a:off x="7316114" y="3671366"/>
-            <a:ext cx="2476800" cy="1857600"/>
-          </a:xfrm>
-          <a:prstGeom prst="rect">
-            <a:avLst/>
-          </a:prstGeom>
-        </p:spPr>
-      </p:pic>
-    </p:spTree>
-    <p:extLst>
-      <p:ext uri="{BB962C8B-B14F-4D97-AF65-F5344CB8AC3E}">
-        <p14:creationId xmlns:p14="http://schemas.microsoft.com/office/powerpoint/2010/main" val="3787650578"/>
-      </p:ext>
-    </p:extLst>
-  </p:cSld>
-  <p:clrMapOvr>
-    <a:masterClrMapping/>
-  </p:clrMapOvr>
-  <mc:AlternateContent xmlns:mc="http://schemas.openxmlformats.org/markup-compatibility/2006">
-    <mc:Choice xmlns:p14="http://schemas.microsoft.com/office/powerpoint/2010/main" Requires="p14">
-      <p:transition spd="slow" p14:dur="1500">
-        <p:split orient="vert"/>
-      </p:transition>
-    </mc:Choice>
-    <mc:Fallback>
-      <p:transition spd="slow">
-        <p:split orient="vert"/>
-      </p:transition>
-    </mc:Fallback>
-  </mc:AlternateContent>
-  <p:timing>
-    <p:tnLst>
-      <p:par>
-        <p:cTn id="1" dur="indefinite" restart="never" nodeType="tmRoot"/>
-      </p:par>
-    </p:tnLst>
-  </p:timing>
-</p:sld>
-</file>
-
-<file path=ppt/slides/slide8.xml><?xml version="1.0" encoding="utf-8"?>
-<p:sld xmlns:a="http://schemas.openxmlformats.org/drawingml/2006/main" xmlns:r="http://schemas.openxmlformats.org/officeDocument/2006/relationships" xmlns:p="http://schemas.openxmlformats.org/presentationml/2006/main">
-  <p:cSld>
-    <p:spTree>
-      <p:nvGrpSpPr>
-        <p:cNvPr id="1" name=""/>
-        <p:cNvGrpSpPr/>
-        <p:nvPr/>
-      </p:nvGrpSpPr>
-      <p:grpSpPr>
-        <a:xfrm>
-          <a:off x="0" y="0"/>
-          <a:ext cx="0" cy="0"/>
-          <a:chOff x="0" y="0"/>
-          <a:chExt cx="0" cy="0"/>
-        </a:xfrm>
-      </p:grpSpPr>
-      <p:sp>
-        <p:nvSpPr>
-          <p:cNvPr id="2" name="標題 1"/>
-          <p:cNvSpPr>
-            <a:spLocks noGrp="1"/>
-          </p:cNvSpPr>
-          <p:nvPr>
-            <p:ph type="title"/>
-          </p:nvPr>
-        </p:nvSpPr>
-        <p:spPr/>
-        <p:txBody>
-          <a:bodyPr/>
-          <a:lstStyle/>
-          <a:p>
-            <a:r>
-              <a:rPr lang="en-US" altLang="zh-TW" dirty="0" smtClean="0"/>
-              <a:t>Data</a:t>
-            </a:r>
-            <a:endParaRPr lang="zh-TW" altLang="en-US" dirty="0"/>
-          </a:p>
-        </p:txBody>
-      </p:sp>
-      <p:sp>
-        <p:nvSpPr>
-          <p:cNvPr id="13" name="Rectangle 6"/>
-          <p:cNvSpPr>
-            <a:spLocks noChangeArrowheads="1"/>
-          </p:cNvSpPr>
-          <p:nvPr/>
-        </p:nvSpPr>
-        <p:spPr bwMode="auto">
-          <a:xfrm>
-            <a:off x="0" y="0"/>
-            <a:ext cx="12192000" cy="0"/>
-          </a:xfrm>
-          <a:prstGeom prst="rect">
-            <a:avLst/>
-          </a:prstGeom>
-          <a:noFill/>
-          <a:ln>
-            <a:noFill/>
-          </a:ln>
-          <a:effectLst/>
-          <a:extLst>
-            <a:ext uri="{909E8E84-426E-40DD-AFC4-6F175D3DCCD1}">
-              <a14:hiddenFill xmlns:a14="http://schemas.microsoft.com/office/drawing/2010/main">
-                <a:solidFill>
-                  <a:schemeClr val="accent1"/>
-                </a:solidFill>
-              </a14:hiddenFill>
-            </a:ext>
-            <a:ext uri="{91240B29-F687-4F45-9708-019B960494DF}">
-              <a14:hiddenLine xmlns:a14="http://schemas.microsoft.com/office/drawing/2010/main" w="9525">
-                <a:solidFill>
-                  <a:schemeClr val="tx1"/>
-                </a:solidFill>
-                <a:miter lim="800000"/>
-                <a:headEnd/>
-                <a:tailEnd/>
-              </a14:hiddenLine>
-            </a:ext>
-            <a:ext uri="{AF507438-7753-43E0-B8FC-AC1667EBCBE1}">
-              <a14:hiddenEffects xmlns:a14="http://schemas.microsoft.com/office/drawing/2010/main">
-                <a:effectLst>
-                  <a:outerShdw dist="35921" dir="2700000" algn="ctr" rotWithShape="0">
-                    <a:schemeClr val="bg2"/>
-                  </a:outerShdw>
-                </a:effectLst>
-              </a14:hiddenEffects>
-            </a:ext>
-          </a:extLst>
-        </p:spPr>
-        <p:txBody>
-          <a:bodyPr vert="horz" wrap="none" lIns="91440" tIns="45720" rIns="91440" bIns="45720" numCol="1" anchor="ctr" anchorCtr="0" compatLnSpc="1">
-            <a:prstTxWarp prst="textNoShape">
-              <a:avLst/>
-            </a:prstTxWarp>
-            <a:spAutoFit/>
-          </a:bodyPr>
-          <a:lstStyle/>
-          <a:p>
-            <a:endParaRPr lang="zh-TW" altLang="en-US"/>
-          </a:p>
-        </p:txBody>
-      </p:sp>
-      <p:graphicFrame>
-        <p:nvGraphicFramePr>
-          <p:cNvPr id="14" name="物件 13"/>
-          <p:cNvGraphicFramePr>
-            <a:graphicFrameLocks noChangeAspect="1"/>
-          </p:cNvGraphicFramePr>
-          <p:nvPr>
-            <p:extLst>
-              <p:ext uri="{D42A27DB-BD31-4B8C-83A1-F6EECF244321}">
-                <p14:modId xmlns:p14="http://schemas.microsoft.com/office/powerpoint/2010/main" val="989658876"/>
-              </p:ext>
-            </p:extLst>
-          </p:nvPr>
-        </p:nvGraphicFramePr>
-        <p:xfrm>
-          <a:off x="814531" y="3826660"/>
-          <a:ext cx="5276850" cy="1638300"/>
-        </p:xfrm>
-        <a:graphic>
-          <a:graphicData uri="http://schemas.openxmlformats.org/presentationml/2006/ole">
-            <mc:AlternateContent xmlns:mc="http://schemas.openxmlformats.org/markup-compatibility/2006">
-              <mc:Choice xmlns:v="urn:schemas-microsoft-com:vml" Requires="v">
-                <p:oleObj spid="_x0000_s2058" name="Worksheet" r:id="rId3" imgW="4124332" imgH="1266825" progId="Excel.Sheet.12">
-                  <p:embed/>
-                </p:oleObj>
-              </mc:Choice>
-              <mc:Fallback>
-                <p:oleObj name="Worksheet" r:id="rId3" imgW="4124332" imgH="1266825" progId="Excel.Sheet.12">
-                  <p:embed/>
-                  <p:pic>
-                    <p:nvPicPr>
-                      <p:cNvPr id="0" name="Object 5"/>
-                      <p:cNvPicPr>
-                        <a:picLocks noChangeAspect="1" noChangeArrowheads="1"/>
-                      </p:cNvPicPr>
-                      <p:nvPr/>
-                    </p:nvPicPr>
-                    <p:blipFill>
-                      <a:blip r:embed="rId4"/>
-                      <a:srcRect/>
-                      <a:stretch>
-                        <a:fillRect/>
-                      </a:stretch>
-                    </p:blipFill>
-                    <p:spPr bwMode="auto">
-                      <a:xfrm>
-                        <a:off x="814531" y="3826660"/>
-                        <a:ext cx="5276850" cy="1638300"/>
-                      </a:xfrm>
-                      <a:prstGeom prst="rect">
-                        <a:avLst/>
-                      </a:prstGeom>
-                      <a:noFill/>
-                      <a:ln>
-                        <a:noFill/>
-                      </a:ln>
-                    </p:spPr>
-                  </p:pic>
-                </p:oleObj>
-              </mc:Fallback>
-            </mc:AlternateContent>
-          </a:graphicData>
-        </a:graphic>
-      </p:graphicFrame>
-      <p:graphicFrame>
-        <p:nvGraphicFramePr>
-          <p:cNvPr id="16" name="圖表 15"/>
-          <p:cNvGraphicFramePr>
-            <a:graphicFrameLocks/>
-          </p:cNvGraphicFramePr>
-          <p:nvPr>
-            <p:extLst>
-              <p:ext uri="{D42A27DB-BD31-4B8C-83A1-F6EECF244321}">
-                <p14:modId xmlns:p14="http://schemas.microsoft.com/office/powerpoint/2010/main" val="81426948"/>
-              </p:ext>
-            </p:extLst>
-          </p:nvPr>
-        </p:nvGraphicFramePr>
-        <p:xfrm>
-          <a:off x="6310384" y="1816885"/>
-          <a:ext cx="5119616" cy="4298165"/>
-        </p:xfrm>
-        <a:graphic>
-          <a:graphicData uri="http://schemas.openxmlformats.org/drawingml/2006/chart">
-            <c:chart xmlns:c="http://schemas.openxmlformats.org/drawingml/2006/chart" xmlns:r="http://schemas.openxmlformats.org/officeDocument/2006/relationships" r:id="rId5"/>
-          </a:graphicData>
-        </a:graphic>
-      </p:graphicFrame>
-    </p:spTree>
-    <p:extLst>
-      <p:ext uri="{BB962C8B-B14F-4D97-AF65-F5344CB8AC3E}">
-        <p14:creationId xmlns:p14="http://schemas.microsoft.com/office/powerpoint/2010/main" val="1342123936"/>
-      </p:ext>
-    </p:extLst>
-  </p:cSld>
-  <p:clrMapOvr>
-    <a:masterClrMapping/>
-  </p:clrMapOvr>
-  <mc:AlternateContent xmlns:mc="http://schemas.openxmlformats.org/markup-compatibility/2006">
-    <mc:Choice xmlns:p15="http://schemas.microsoft.com/office/powerpoint/2012/main" Requires="p15">
-      <p:transition xmlns:p14="http://schemas.microsoft.com/office/powerpoint/2010/main" spd="slow" p14:dur="2000">
-        <p15:prstTrans prst="prestige"/>
-      </p:transition>
-    </mc:Choice>
-    <mc:Fallback>
-      <p:transition spd="slow">
-        <p:fade/>
-      </p:transition>
-    </mc:Fallback>
-  </mc:AlternateContent>
-  <p:timing>
-    <p:tnLst>
-      <p:par>
-        <p:cTn id="1" dur="indefinite" restart="never" nodeType="tmRoot"/>
-      </p:par>
-    </p:tnLst>
-  </p:timing>
-</p:sld>
-</file>
-
-<file path=ppt/slides/slide9.xml><?xml version="1.0" encoding="utf-8"?>
-<p:sld xmlns:a="http://schemas.openxmlformats.org/drawingml/2006/main" xmlns:r="http://schemas.openxmlformats.org/officeDocument/2006/relationships" xmlns:p="http://schemas.openxmlformats.org/presentationml/2006/main">
-  <p:cSld>
-    <p:spTree>
-      <p:nvGrpSpPr>
-        <p:cNvPr id="1" name=""/>
-        <p:cNvGrpSpPr/>
-        <p:nvPr/>
-      </p:nvGrpSpPr>
-      <p:grpSpPr>
-        <a:xfrm>
-          <a:off x="0" y="0"/>
-          <a:ext cx="0" cy="0"/>
-          <a:chOff x="0" y="0"/>
-          <a:chExt cx="0" cy="0"/>
-        </a:xfrm>
-      </p:grpSpPr>
-      <p:sp>
-        <p:nvSpPr>
-          <p:cNvPr id="2" name="標題 1"/>
-          <p:cNvSpPr>
-            <a:spLocks noGrp="1"/>
-          </p:cNvSpPr>
-          <p:nvPr>
-            <p:ph type="title"/>
-          </p:nvPr>
-        </p:nvSpPr>
-        <p:spPr/>
-        <p:txBody>
-          <a:bodyPr/>
-          <a:lstStyle/>
-          <a:p>
-            <a:r>
-              <a:rPr lang="en-US" altLang="zh-TW" dirty="0" smtClean="0"/>
-              <a:t>Conclusion</a:t>
-            </a:r>
-            <a:endParaRPr lang="zh-TW" altLang="en-US" dirty="0"/>
-          </a:p>
-        </p:txBody>
-      </p:sp>
-      <p:sp>
-        <p:nvSpPr>
-          <p:cNvPr id="3" name="內容版面配置區 2"/>
-          <p:cNvSpPr>
-            <a:spLocks noGrp="1"/>
-          </p:cNvSpPr>
-          <p:nvPr>
-            <p:ph idx="1"/>
-          </p:nvPr>
-        </p:nvSpPr>
-        <p:spPr/>
-        <p:txBody>
-          <a:bodyPr/>
-          <a:lstStyle/>
-          <a:p>
-            <a:pPr>
-              <a:lnSpc>
-                <a:spcPct val="150000"/>
-              </a:lnSpc>
-            </a:pPr>
-            <a:r>
-              <a:rPr lang="en-US" altLang="zh-TW" dirty="0"/>
-              <a:t>My hypothesis is correct. I learn that Wool is the warmest fabric, Acrylic the second, and Nylon the </a:t>
-            </a:r>
-            <a:r>
-              <a:rPr lang="en-US" altLang="zh-TW" dirty="0" smtClean="0"/>
-              <a:t>third.</a:t>
-            </a:r>
-            <a:endParaRPr lang="zh-TW" altLang="en-US" dirty="0"/>
-          </a:p>
-        </p:txBody>
-      </p:sp>
-    </p:spTree>
-    <p:extLst>
-      <p:ext uri="{BB962C8B-B14F-4D97-AF65-F5344CB8AC3E}">
-        <p14:creationId xmlns:p14="http://schemas.microsoft.com/office/powerpoint/2010/main" val="1054905296"/>
-      </p:ext>
-    </p:extLst>
-  </p:cSld>
-  <p:clrMapOvr>
-    <a:masterClrMapping/>
-  </p:clrMapOvr>
-  <mc:AlternateContent xmlns:mc="http://schemas.openxmlformats.org/markup-compatibility/2006">
-    <mc:Choice xmlns:p15="http://schemas.microsoft.com/office/powerpoint/2012/main" Requires="p15">
-      <p:transition xmlns:p14="http://schemas.microsoft.com/office/powerpoint/2010/main" spd="slow" p14:dur="2000">
-        <p15:prstTrans prst="drape"/>
-      </p:transition>
-    </mc:Choice>
-    <mc:Fallback>
-      <p:transition spd="slow">
-        <p:fade/>
-      </p:transition>
-    </mc:Fallback>
-  </mc:AlternateContent>
-  <p:timing>
-    <p:tnLst>
-      <p:par>
-        <p:cTn id="1" dur="indefinite" restart="never" nodeType="tmRoot"/>
       </p:par>
     </p:tnLst>
   </p:timing>

--- a/base/science.pptx
+++ b/base/science.pptx
@@ -679,16 +679,73 @@
         </c:dLbls>
         <c:marker val="1"/>
         <c:smooth val="0"/>
-        <c:axId val="146235568"/>
-        <c:axId val="146231256"/>
+        <c:axId val="114174752"/>
+        <c:axId val="114178672"/>
       </c:lineChart>
       <c:catAx>
-        <c:axId val="146235568"/>
+        <c:axId val="114174752"/>
         <c:scaling>
           <c:orientation val="minMax"/>
         </c:scaling>
         <c:delete val="0"/>
         <c:axPos val="b"/>
+        <c:title>
+          <c:tx>
+            <c:rich>
+              <a:bodyPr rot="0" spcFirstLastPara="1" vertOverflow="ellipsis" vert="horz" wrap="square" anchor="ctr" anchorCtr="1"/>
+              <a:lstStyle/>
+              <a:p>
+                <a:pPr>
+                  <a:defRPr sz="1000" b="0" i="0" u="none" strike="noStrike" kern="1200" baseline="0">
+                    <a:solidFill>
+                      <a:schemeClr val="tx1">
+                        <a:lumMod val="65000"/>
+                        <a:lumOff val="35000"/>
+                      </a:schemeClr>
+                    </a:solidFill>
+                    <a:latin typeface="+mn-lt"/>
+                    <a:ea typeface="+mn-ea"/>
+                    <a:cs typeface="+mn-cs"/>
+                  </a:defRPr>
+                </a:pPr>
+                <a:r>
+                  <a:rPr lang="en-US" altLang="zh-TW" dirty="0" smtClean="0"/>
+                  <a:t>Time(Min)</a:t>
+                </a:r>
+                <a:endParaRPr lang="zh-TW" altLang="en-US" dirty="0"/>
+              </a:p>
+            </c:rich>
+          </c:tx>
+          <c:layout/>
+          <c:overlay val="0"/>
+          <c:spPr>
+            <a:noFill/>
+            <a:ln>
+              <a:noFill/>
+            </a:ln>
+            <a:effectLst/>
+          </c:spPr>
+          <c:txPr>
+            <a:bodyPr rot="0" spcFirstLastPara="1" vertOverflow="ellipsis" vert="horz" wrap="square" anchor="ctr" anchorCtr="1"/>
+            <a:lstStyle/>
+            <a:p>
+              <a:pPr>
+                <a:defRPr sz="1000" b="0" i="0" u="none" strike="noStrike" kern="1200" baseline="0">
+                  <a:solidFill>
+                    <a:schemeClr val="tx1">
+                      <a:lumMod val="65000"/>
+                      <a:lumOff val="35000"/>
+                    </a:schemeClr>
+                  </a:solidFill>
+                  <a:latin typeface="+mn-lt"/>
+                  <a:ea typeface="+mn-ea"/>
+                  <a:cs typeface="+mn-cs"/>
+                </a:defRPr>
+              </a:pPr>
+              <a:endParaRPr lang="zh-TW"/>
+            </a:p>
+          </c:txPr>
+        </c:title>
         <c:numFmt formatCode="General" sourceLinked="1"/>
         <c:majorTickMark val="none"/>
         <c:minorTickMark val="none"/>
@@ -726,7 +783,7 @@
             <a:endParaRPr lang="zh-TW"/>
           </a:p>
         </c:txPr>
-        <c:crossAx val="146231256"/>
+        <c:crossAx val="114178672"/>
         <c:crosses val="autoZero"/>
         <c:auto val="1"/>
         <c:lblAlgn val="ctr"/>
@@ -734,7 +791,7 @@
         <c:noMultiLvlLbl val="0"/>
       </c:catAx>
       <c:valAx>
-        <c:axId val="146231256"/>
+        <c:axId val="114178672"/>
         <c:scaling>
           <c:orientation val="minMax"/>
         </c:scaling>
@@ -754,6 +811,63 @@
             <a:effectLst/>
           </c:spPr>
         </c:majorGridlines>
+        <c:title>
+          <c:tx>
+            <c:rich>
+              <a:bodyPr rot="-5400000" spcFirstLastPara="1" vertOverflow="ellipsis" vert="horz" wrap="square" anchor="ctr" anchorCtr="1"/>
+              <a:lstStyle/>
+              <a:p>
+                <a:pPr>
+                  <a:defRPr sz="1000" b="0" i="0" u="none" strike="noStrike" kern="1200" baseline="0">
+                    <a:solidFill>
+                      <a:schemeClr val="tx1">
+                        <a:lumMod val="65000"/>
+                        <a:lumOff val="35000"/>
+                      </a:schemeClr>
+                    </a:solidFill>
+                    <a:latin typeface="+mn-lt"/>
+                    <a:ea typeface="+mn-ea"/>
+                    <a:cs typeface="+mn-cs"/>
+                  </a:defRPr>
+                </a:pPr>
+                <a:r>
+                  <a:rPr lang="en-US" altLang="zh-TW" dirty="0" smtClean="0"/>
+                  <a:t>Temperature(C)</a:t>
+                </a:r>
+                <a:endParaRPr lang="zh-TW" altLang="en-US" dirty="0"/>
+              </a:p>
+            </c:rich>
+          </c:tx>
+          <c:layout/>
+          <c:overlay val="0"/>
+          <c:spPr>
+            <a:noFill/>
+            <a:ln>
+              <a:noFill/>
+            </a:ln>
+            <a:effectLst/>
+          </c:spPr>
+          <c:txPr>
+            <a:bodyPr rot="-5400000" spcFirstLastPara="1" vertOverflow="ellipsis" vert="horz" wrap="square" anchor="ctr" anchorCtr="1"/>
+            <a:lstStyle/>
+            <a:p>
+              <a:pPr>
+                <a:defRPr sz="1000" b="0" i="0" u="none" strike="noStrike" kern="1200" baseline="0">
+                  <a:solidFill>
+                    <a:schemeClr val="tx1">
+                      <a:lumMod val="65000"/>
+                      <a:lumOff val="35000"/>
+                    </a:schemeClr>
+                  </a:solidFill>
+                  <a:latin typeface="+mn-lt"/>
+                  <a:ea typeface="+mn-ea"/>
+                  <a:cs typeface="+mn-cs"/>
+                </a:defRPr>
+              </a:pPr>
+              <a:endParaRPr lang="zh-TW"/>
+            </a:p>
+          </c:txPr>
+        </c:title>
         <c:numFmt formatCode="General" sourceLinked="1"/>
         <c:majorTickMark val="none"/>
         <c:minorTickMark val="none"/>
@@ -785,7 +899,7 @@
             <a:endParaRPr lang="zh-TW"/>
           </a:p>
         </c:txPr>
-        <c:crossAx val="146235568"/>
+        <c:crossAx val="114174752"/>
         <c:crosses val="autoZero"/>
         <c:crossBetween val="between"/>
       </c:valAx>
@@ -1481,7 +1595,7 @@
           <a:p>
             <a:fld id="{6054A238-EC3D-4FC9-8855-9716A24B2D75}" type="datetimeFigureOut">
               <a:rPr lang="en-US" altLang="zh-TW"/>
-              <a:t>4/15/2017</a:t>
+              <a:t>4/16/2017</a:t>
             </a:fld>
             <a:endParaRPr lang="zh-TW" altLang="en-US"/>
           </a:p>
@@ -2002,7 +2116,7 @@
           <a:p>
             <a:fld id="{48A87A34-81AB-432B-8DAE-1953F412C126}" type="datetimeFigureOut">
               <a:rPr lang="en-US" dirty="0"/>
-              <a:t>4/15/2017</a:t>
+              <a:t>4/16/2017</a:t>
             </a:fld>
             <a:endParaRPr lang="en-US" dirty="0"/>
           </a:p>
@@ -2264,7 +2378,7 @@
           <a:p>
             <a:fld id="{48A87A34-81AB-432B-8DAE-1953F412C126}" type="datetimeFigureOut">
               <a:rPr lang="en-US" dirty="0"/>
-              <a:t>4/15/2017</a:t>
+              <a:t>4/16/2017</a:t>
             </a:fld>
             <a:endParaRPr lang="en-US" dirty="0"/>
           </a:p>
@@ -2491,7 +2605,7 @@
             <a:fld id="{48A87A34-81AB-432B-8DAE-1953F412C126}" type="datetimeFigureOut">
               <a:rPr lang="en-US" dirty="0"/>
               <a:pPr/>
-              <a:t>4/15/2017</a:t>
+              <a:t>4/16/2017</a:t>
             </a:fld>
             <a:endParaRPr lang="en-US" dirty="0"/>
           </a:p>
@@ -2797,7 +2911,7 @@
             <a:fld id="{48A87A34-81AB-432B-8DAE-1953F412C126}" type="datetimeFigureOut">
               <a:rPr lang="en-US" dirty="0"/>
               <a:pPr/>
-              <a:t>4/15/2017</a:t>
+              <a:t>4/16/2017</a:t>
             </a:fld>
             <a:endParaRPr lang="en-US" dirty="0"/>
           </a:p>
@@ -3266,7 +3380,7 @@
             <a:fld id="{48A87A34-81AB-432B-8DAE-1953F412C126}" type="datetimeFigureOut">
               <a:rPr lang="en-US" dirty="0"/>
               <a:pPr/>
-              <a:t>4/15/2017</a:t>
+              <a:t>4/16/2017</a:t>
             </a:fld>
             <a:endParaRPr lang="en-US" dirty="0"/>
           </a:p>
@@ -3808,7 +3922,7 @@
           <a:p>
             <a:fld id="{48A87A34-81AB-432B-8DAE-1953F412C126}" type="datetimeFigureOut">
               <a:rPr lang="en-US" dirty="0"/>
-              <a:t>4/15/2017</a:t>
+              <a:t>4/16/2017</a:t>
             </a:fld>
             <a:endParaRPr lang="en-US" dirty="0"/>
           </a:p>
@@ -4577,7 +4691,7 @@
           <a:p>
             <a:fld id="{48A87A34-81AB-432B-8DAE-1953F412C126}" type="datetimeFigureOut">
               <a:rPr lang="en-US" dirty="0"/>
-              <a:t>4/15/2017</a:t>
+              <a:t>4/16/2017</a:t>
             </a:fld>
             <a:endParaRPr lang="en-US" dirty="0"/>
           </a:p>
@@ -4747,7 +4861,7 @@
           <a:p>
             <a:fld id="{48A87A34-81AB-432B-8DAE-1953F412C126}" type="datetimeFigureOut">
               <a:rPr lang="en-US" dirty="0"/>
-              <a:t>4/15/2017</a:t>
+              <a:t>4/16/2017</a:t>
             </a:fld>
             <a:endParaRPr lang="en-US" dirty="0"/>
           </a:p>
@@ -4966,7 +5080,7 @@
             <a:fld id="{48A87A34-81AB-432B-8DAE-1953F412C126}" type="datetimeFigureOut">
               <a:rPr lang="en-US" dirty="0"/>
               <a:pPr/>
-              <a:t>4/15/2017</a:t>
+              <a:t>4/16/2017</a:t>
             </a:fld>
             <a:endParaRPr lang="en-US" dirty="0"/>
           </a:p>
@@ -5141,7 +5255,7 @@
           <a:p>
             <a:fld id="{48A87A34-81AB-432B-8DAE-1953F412C126}" type="datetimeFigureOut">
               <a:rPr lang="en-US" dirty="0"/>
-              <a:t>4/15/2017</a:t>
+              <a:t>4/16/2017</a:t>
             </a:fld>
             <a:endParaRPr lang="en-US" dirty="0"/>
           </a:p>
@@ -5426,7 +5540,7 @@
             <a:fld id="{48A87A34-81AB-432B-8DAE-1953F412C126}" type="datetimeFigureOut">
               <a:rPr lang="en-US" dirty="0"/>
               <a:pPr/>
-              <a:t>4/15/2017</a:t>
+              <a:t>4/16/2017</a:t>
             </a:fld>
             <a:endParaRPr lang="en-US" dirty="0"/>
           </a:p>
@@ -5663,7 +5777,7 @@
           <a:p>
             <a:fld id="{48A87A34-81AB-432B-8DAE-1953F412C126}" type="datetimeFigureOut">
               <a:rPr lang="en-US" dirty="0"/>
-              <a:t>4/15/2017</a:t>
+              <a:t>4/16/2017</a:t>
             </a:fld>
             <a:endParaRPr lang="en-US" dirty="0"/>
           </a:p>
@@ -6037,7 +6151,7 @@
           <a:p>
             <a:fld id="{48A87A34-81AB-432B-8DAE-1953F412C126}" type="datetimeFigureOut">
               <a:rPr lang="en-US" dirty="0"/>
-              <a:t>4/15/2017</a:t>
+              <a:t>4/16/2017</a:t>
             </a:fld>
             <a:endParaRPr lang="en-US" dirty="0"/>
           </a:p>
@@ -6150,7 +6264,7 @@
           <a:p>
             <a:fld id="{48A87A34-81AB-432B-8DAE-1953F412C126}" type="datetimeFigureOut">
               <a:rPr lang="en-US" dirty="0"/>
-              <a:t>4/15/2017</a:t>
+              <a:t>4/16/2017</a:t>
             </a:fld>
             <a:endParaRPr lang="en-US" dirty="0"/>
           </a:p>
@@ -6240,7 +6354,7 @@
           <a:p>
             <a:fld id="{48A87A34-81AB-432B-8DAE-1953F412C126}" type="datetimeFigureOut">
               <a:rPr lang="en-US" dirty="0"/>
-              <a:t>4/15/2017</a:t>
+              <a:t>4/16/2017</a:t>
             </a:fld>
             <a:endParaRPr lang="en-US" dirty="0"/>
           </a:p>
@@ -6484,7 +6598,7 @@
           <a:p>
             <a:fld id="{48A87A34-81AB-432B-8DAE-1953F412C126}" type="datetimeFigureOut">
               <a:rPr lang="en-US" dirty="0"/>
-              <a:t>4/15/2017</a:t>
+              <a:t>4/16/2017</a:t>
             </a:fld>
             <a:endParaRPr lang="en-US" dirty="0"/>
           </a:p>
@@ -6736,7 +6850,7 @@
           <a:p>
             <a:fld id="{48A87A34-81AB-432B-8DAE-1953F412C126}" type="datetimeFigureOut">
               <a:rPr lang="en-US" dirty="0"/>
-              <a:t>4/15/2017</a:t>
+              <a:t>4/16/2017</a:t>
             </a:fld>
             <a:endParaRPr lang="en-US" dirty="0"/>
           </a:p>
@@ -6975,7 +7089,7 @@
             <a:fld id="{48A87A34-81AB-432B-8DAE-1953F412C126}" type="datetimeFigureOut">
               <a:rPr lang="en-US" dirty="0"/>
               <a:pPr/>
-              <a:t>4/15/2017</a:t>
+              <a:t>4/16/2017</a:t>
             </a:fld>
             <a:endParaRPr lang="en-US" dirty="0"/>
           </a:p>
@@ -7528,7 +7642,23 @@
             </a:pPr>
             <a:r>
               <a:rPr lang="en-US" altLang="zh-TW" dirty="0"/>
-              <a:t>When I went to other countries with higher latitudes, the temperature is extremely low, and I have to wear so many layers of thick clothes. Can I wear only a little amount of cloth and have the same effect? In this Experiment, I will test many well-known fabric and test which fabric is the warmest.</a:t>
+              <a:t>When I went to other countries with higher latitudes, the temperature is extremely low, and I have to wear so many layers of thick clothes. Can I wear only a little amount of cloth and have the same effect? </a:t>
+            </a:r>
+            <a:endParaRPr lang="en-US" altLang="zh-TW" dirty="0" smtClean="0"/>
+          </a:p>
+          <a:p>
+            <a:pPr>
+              <a:lnSpc>
+                <a:spcPct val="150000"/>
+              </a:lnSpc>
+            </a:pPr>
+            <a:r>
+              <a:rPr lang="en-US" altLang="zh-TW" dirty="0" smtClean="0"/>
+              <a:t>In </a:t>
+            </a:r>
+            <a:r>
+              <a:rPr lang="en-US" altLang="zh-TW" dirty="0"/>
+              <a:t>this Experiment, I will test many well-known fabric and test which fabric is the warmest.</a:t>
             </a:r>
             <a:endParaRPr lang="zh-TW" altLang="zh-TW" dirty="0"/>
           </a:p>
@@ -7536,6 +7666,69 @@
             <a:endParaRPr lang="zh-TW" altLang="en-US" dirty="0">
               <a:latin typeface="新細明體"/>
             </a:endParaRPr>
+          </a:p>
+        </p:txBody>
+      </p:sp>
+      <p:pic>
+        <p:nvPicPr>
+          <p:cNvPr id="4" name="Trembling-in-Fear001-GiveMeSomeEnglish">
+            <a:hlinkClick r:id="" action="ppaction://media"/>
+          </p:cNvPr>
+          <p:cNvPicPr>
+            <a:picLocks noChangeAspect="1"/>
+          </p:cNvPicPr>
+          <p:nvPr>
+            <a:videoFile r:link="rId2"/>
+            <p:extLst>
+              <p:ext uri="{DAA4B4D4-6D71-4841-9C94-3DE7FCFB9230}">
+                <p14:media xmlns:p14="http://schemas.microsoft.com/office/powerpoint/2010/main" r:embed="rId1"/>
+              </p:ext>
+            </p:extLst>
+          </p:nvPr>
+        </p:nvPicPr>
+        <p:blipFill>
+          <a:blip r:embed="rId5"/>
+          <a:stretch>
+            <a:fillRect/>
+          </a:stretch>
+        </p:blipFill>
+        <p:spPr>
+          <a:xfrm>
+            <a:off x="4905375" y="4682015"/>
+            <a:ext cx="2381250" cy="1781175"/>
+          </a:xfrm>
+          <a:prstGeom prst="rect">
+            <a:avLst/>
+          </a:prstGeom>
+        </p:spPr>
+      </p:pic>
+      <p:sp>
+        <p:nvSpPr>
+          <p:cNvPr id="6" name="文字方塊 5"/>
+          <p:cNvSpPr txBox="1"/>
+          <p:nvPr/>
+        </p:nvSpPr>
+        <p:spPr>
+          <a:xfrm>
+            <a:off x="7865390" y="5408905"/>
+            <a:ext cx="1125629" cy="369332"/>
+          </a:xfrm>
+          <a:prstGeom prst="rect">
+            <a:avLst/>
+          </a:prstGeom>
+          <a:noFill/>
+        </p:spPr>
+        <p:txBody>
+          <a:bodyPr wrap="none" rtlCol="0">
+            <a:spAutoFit/>
+          </a:bodyPr>
+          <a:lstStyle/>
+          <a:p>
+            <a:r>
+              <a:rPr lang="en-US" altLang="zh-TW" dirty="0" smtClean="0"/>
+              <a:t>So Cold!</a:t>
+            </a:r>
+            <a:endParaRPr lang="zh-TW" altLang="en-US" dirty="0"/>
           </a:p>
         </p:txBody>
       </p:sp>
@@ -7564,7 +7757,138 @@
   <p:timing>
     <p:tnLst>
       <p:par>
-        <p:cTn id="1" dur="indefinite" restart="never" nodeType="tmRoot"/>
+        <p:cTn id="1" dur="indefinite" restart="never" nodeType="tmRoot">
+          <p:childTnLst>
+            <p:seq concurrent="1" nextAc="seek">
+              <p:cTn id="2" dur="indefinite" nodeType="mainSeq">
+                <p:childTnLst>
+                  <p:par>
+                    <p:cTn id="3" fill="hold">
+                      <p:stCondLst>
+                        <p:cond delay="indefinite"/>
+                        <p:cond evt="onBegin" delay="0">
+                          <p:tn val="2"/>
+                        </p:cond>
+                      </p:stCondLst>
+                      <p:childTnLst>
+                        <p:par>
+                          <p:cTn id="4" fill="hold">
+                            <p:stCondLst>
+                              <p:cond delay="0"/>
+                            </p:stCondLst>
+                            <p:childTnLst>
+                              <p:par>
+                                <p:cTn id="5" presetID="1" presetClass="mediacall" presetSubtype="0" fill="hold" nodeType="afterEffect">
+                                  <p:stCondLst>
+                                    <p:cond delay="0"/>
+                                  </p:stCondLst>
+                                  <p:childTnLst>
+                                    <p:cmd type="call" cmd="playFrom(0.0)">
+                                      <p:cBhvr>
+                                        <p:cTn id="6" dur="3150" fill="hold"/>
+                                        <p:tgtEl>
+                                          <p:spTgt spid="4"/>
+                                        </p:tgtEl>
+                                      </p:cBhvr>
+                                    </p:cmd>
+                                  </p:childTnLst>
+                                </p:cTn>
+                              </p:par>
+                            </p:childTnLst>
+                          </p:cTn>
+                        </p:par>
+                      </p:childTnLst>
+                    </p:cTn>
+                  </p:par>
+                </p:childTnLst>
+              </p:cTn>
+              <p:prevCondLst>
+                <p:cond evt="onPrev" delay="0">
+                  <p:tgtEl>
+                    <p:sldTgt/>
+                  </p:tgtEl>
+                </p:cond>
+              </p:prevCondLst>
+              <p:nextCondLst>
+                <p:cond evt="onNext" delay="0">
+                  <p:tgtEl>
+                    <p:sldTgt/>
+                  </p:tgtEl>
+                </p:cond>
+              </p:nextCondLst>
+            </p:seq>
+            <p:seq concurrent="1" nextAc="seek">
+              <p:cTn id="7" restart="whenNotActive" fill="hold" evtFilter="cancelBubble" nodeType="interactiveSeq">
+                <p:stCondLst>
+                  <p:cond evt="onClick" delay="0">
+                    <p:tgtEl>
+                      <p:spTgt spid="4"/>
+                    </p:tgtEl>
+                  </p:cond>
+                </p:stCondLst>
+                <p:endSync evt="end" delay="0">
+                  <p:rtn val="all"/>
+                </p:endSync>
+                <p:childTnLst>
+                  <p:par>
+                    <p:cTn id="8" fill="hold">
+                      <p:stCondLst>
+                        <p:cond delay="0"/>
+                      </p:stCondLst>
+                      <p:childTnLst>
+                        <p:par>
+                          <p:cTn id="9" fill="hold">
+                            <p:stCondLst>
+                              <p:cond delay="0"/>
+                            </p:stCondLst>
+                            <p:childTnLst>
+                              <p:par>
+                                <p:cTn id="10" presetID="2" presetClass="mediacall" presetSubtype="0" fill="hold" nodeType="clickEffect">
+                                  <p:stCondLst>
+                                    <p:cond delay="0"/>
+                                  </p:stCondLst>
+                                  <p:childTnLst>
+                                    <p:cmd type="call" cmd="togglePause">
+                                      <p:cBhvr>
+                                        <p:cTn id="11" dur="1" fill="hold"/>
+                                        <p:tgtEl>
+                                          <p:spTgt spid="4"/>
+                                        </p:tgtEl>
+                                      </p:cBhvr>
+                                    </p:cmd>
+                                  </p:childTnLst>
+                                </p:cTn>
+                              </p:par>
+                            </p:childTnLst>
+                          </p:cTn>
+                        </p:par>
+                      </p:childTnLst>
+                    </p:cTn>
+                  </p:par>
+                </p:childTnLst>
+              </p:cTn>
+              <p:nextCondLst>
+                <p:cond evt="onClick" delay="0">
+                  <p:tgtEl>
+                    <p:spTgt spid="4"/>
+                  </p:tgtEl>
+                </p:cond>
+              </p:nextCondLst>
+            </p:seq>
+            <p:video>
+              <p:cMediaNode vol="80000">
+                <p:cTn id="12" fill="hold" display="0">
+                  <p:stCondLst>
+                    <p:cond delay="indefinite"/>
+                  </p:stCondLst>
+                </p:cTn>
+                <p:tgtEl>
+                  <p:spTgt spid="4"/>
+                </p:tgtEl>
+              </p:cMediaNode>
+            </p:video>
+          </p:childTnLst>
+        </p:cTn>
       </p:par>
     </p:tnLst>
   </p:timing>
@@ -7636,9 +7960,87 @@
           </a:p>
         </p:txBody>
       </p:sp>
+      <p:sp>
+        <p:nvSpPr>
+          <p:cNvPr id="6" name="文字方塊 5"/>
+          <p:cNvSpPr txBox="1"/>
+          <p:nvPr/>
+        </p:nvSpPr>
+        <p:spPr>
+          <a:xfrm>
+            <a:off x="4818441" y="2643200"/>
+            <a:ext cx="25511611" cy="2031325"/>
+          </a:xfrm>
+          <a:prstGeom prst="rect">
+            <a:avLst/>
+          </a:prstGeom>
+          <a:noFill/>
+        </p:spPr>
+        <p:txBody>
+          <a:bodyPr wrap="square" rtlCol="0">
+            <a:spAutoFit/>
+          </a:bodyPr>
+          <a:lstStyle/>
+          <a:p>
+            <a:pPr marL="285750" indent="-285750">
+              <a:lnSpc>
+                <a:spcPct val="150000"/>
+              </a:lnSpc>
+              <a:buFont typeface="Wingdings" panose="05000000000000000000" pitchFamily="2" charset="2"/>
+              <a:buChar char="ü"/>
+            </a:pPr>
+            <a:r>
+              <a:rPr lang="en-US" altLang="zh-TW" dirty="0"/>
+              <a:t>Acrylic fabric is a fabric made by acrylic. </a:t>
+            </a:r>
+          </a:p>
+          <a:p>
+            <a:pPr marL="285750" indent="-285750">
+              <a:lnSpc>
+                <a:spcPct val="150000"/>
+              </a:lnSpc>
+              <a:buFont typeface="Wingdings" panose="05000000000000000000" pitchFamily="2" charset="2"/>
+              <a:buChar char="ü"/>
+            </a:pPr>
+            <a:r>
+              <a:rPr lang="en-US" altLang="zh-TW" dirty="0"/>
+              <a:t>Wool is a fabric from sheep’s fur. </a:t>
+            </a:r>
+          </a:p>
+          <a:p>
+            <a:pPr marL="285750" indent="-285750">
+              <a:lnSpc>
+                <a:spcPct val="150000"/>
+              </a:lnSpc>
+              <a:buFont typeface="Wingdings" panose="05000000000000000000" pitchFamily="2" charset="2"/>
+              <a:buChar char="ü"/>
+            </a:pPr>
+            <a:r>
+              <a:rPr lang="en-US" altLang="zh-TW" dirty="0"/>
+              <a:t>Nylon is a lightweight fabric with a lot of strength. </a:t>
+            </a:r>
+          </a:p>
+          <a:p>
+            <a:pPr marL="285750" indent="-285750">
+              <a:lnSpc>
+                <a:spcPct val="150000"/>
+              </a:lnSpc>
+              <a:buFont typeface="Wingdings" panose="05000000000000000000" pitchFamily="2" charset="2"/>
+              <a:buChar char="ü"/>
+            </a:pPr>
+            <a:r>
+              <a:rPr lang="en-US" altLang="zh-TW" dirty="0"/>
+              <a:t>Nylon is a lightweight fabric with a lot of strength. </a:t>
+            </a:r>
+          </a:p>
+          <a:p>
+            <a:endParaRPr lang="zh-TW" altLang="en-US" dirty="0"/>
+          </a:p>
+        </p:txBody>
+      </p:sp>
       <p:pic>
         <p:nvPicPr>
-          <p:cNvPr id="4" name="圖片 3"/>
+          <p:cNvPr id="10" name="圖片 9"/>
           <p:cNvPicPr>
             <a:picLocks noChangeAspect="1"/>
           </p:cNvPicPr>
@@ -7658,8 +8060,8 @@
         </p:blipFill>
         <p:spPr>
           <a:xfrm>
-            <a:off x="1045490" y="2615329"/>
-            <a:ext cx="3206376" cy="3603356"/>
+            <a:off x="1001590" y="2615085"/>
+            <a:ext cx="3206593" cy="3603600"/>
           </a:xfrm>
           <a:prstGeom prst="rect">
             <a:avLst/>
@@ -7668,102 +8070,16 @@
       </p:pic>
       <p:sp>
         <p:nvSpPr>
-          <p:cNvPr id="6" name="文字方塊 5"/>
-          <p:cNvSpPr txBox="1"/>
+          <p:cNvPr id="11" name="矩形圖說文字 10"/>
+          <p:cNvSpPr/>
           <p:nvPr/>
         </p:nvSpPr>
         <p:spPr>
           <a:xfrm>
-            <a:off x="4818441" y="2643200"/>
-            <a:ext cx="25511611" cy="2031325"/>
+            <a:off x="2329912" y="2615085"/>
+            <a:ext cx="1131376" cy="688936"/>
           </a:xfrm>
-          <a:prstGeom prst="rect">
-            <a:avLst/>
-          </a:prstGeom>
-          <a:noFill/>
-        </p:spPr>
-        <p:txBody>
-          <a:bodyPr wrap="square" rtlCol="0">
-            <a:spAutoFit/>
-          </a:bodyPr>
-          <a:lstStyle/>
-          <a:p>
-            <a:pPr>
-              <a:lnSpc>
-                <a:spcPct val="150000"/>
-              </a:lnSpc>
-            </a:pPr>
-            <a:r>
-              <a:rPr lang="en-US" altLang="zh-TW" dirty="0"/>
-              <a:t>Acrylic fabric is a fabric made by acrylic. </a:t>
-            </a:r>
-            <a:endParaRPr lang="en-US" altLang="zh-TW" dirty="0" smtClean="0"/>
-          </a:p>
-          <a:p>
-            <a:pPr>
-              <a:lnSpc>
-                <a:spcPct val="150000"/>
-              </a:lnSpc>
-            </a:pPr>
-            <a:r>
-              <a:rPr lang="en-US" altLang="zh-TW" dirty="0" smtClean="0"/>
-              <a:t>Wool </a:t>
-            </a:r>
-            <a:r>
-              <a:rPr lang="en-US" altLang="zh-TW" dirty="0"/>
-              <a:t>is a fabric from sheep’s fur. </a:t>
-            </a:r>
-            <a:endParaRPr lang="en-US" altLang="zh-TW" dirty="0" smtClean="0"/>
-          </a:p>
-          <a:p>
-            <a:pPr>
-              <a:lnSpc>
-                <a:spcPct val="150000"/>
-              </a:lnSpc>
-            </a:pPr>
-            <a:r>
-              <a:rPr lang="en-US" altLang="zh-TW" dirty="0" smtClean="0"/>
-              <a:t>Nylon </a:t>
-            </a:r>
-            <a:r>
-              <a:rPr lang="en-US" altLang="zh-TW" dirty="0"/>
-              <a:t>is a lightweight fabric with a lot of strength. </a:t>
-            </a:r>
-            <a:endParaRPr lang="en-US" altLang="zh-TW" dirty="0" smtClean="0"/>
-          </a:p>
-          <a:p>
-            <a:pPr>
-              <a:lnSpc>
-                <a:spcPct val="150000"/>
-              </a:lnSpc>
-            </a:pPr>
-            <a:r>
-              <a:rPr lang="en-US" altLang="zh-TW" dirty="0" smtClean="0"/>
-              <a:t>Cotton </a:t>
-            </a:r>
-            <a:r>
-              <a:rPr lang="en-US" altLang="zh-TW" dirty="0"/>
-              <a:t>is a fabric made from cotton plant.</a:t>
-            </a:r>
-            <a:endParaRPr lang="zh-TW" altLang="zh-TW" dirty="0"/>
-          </a:p>
-          <a:p>
-            <a:endParaRPr lang="zh-TW" altLang="en-US" dirty="0"/>
-          </a:p>
-        </p:txBody>
-      </p:sp>
-      <p:sp>
-        <p:nvSpPr>
-          <p:cNvPr id="7" name="圓角矩形圖說文字 6"/>
-          <p:cNvSpPr/>
-          <p:nvPr/>
-        </p:nvSpPr>
-        <p:spPr>
-          <a:xfrm>
-            <a:off x="2400016" y="2549462"/>
-            <a:ext cx="1423425" cy="829160"/>
-          </a:xfrm>
-          <a:prstGeom prst="wedgeRoundRectCallout">
+          <a:prstGeom prst="wedgeRectCallout">
             <a:avLst/>
           </a:prstGeom>
         </p:spPr>
@@ -7821,9 +8137,181 @@
   <p:timing>
     <p:tnLst>
       <p:par>
-        <p:cTn id="1" dur="indefinite" restart="never" nodeType="tmRoot"/>
+        <p:cTn id="1" dur="indefinite" restart="never" nodeType="tmRoot">
+          <p:childTnLst>
+            <p:seq concurrent="1" nextAc="seek">
+              <p:cTn id="2" dur="indefinite" nodeType="mainSeq">
+                <p:childTnLst>
+                  <p:par>
+                    <p:cTn id="3" fill="hold">
+                      <p:stCondLst>
+                        <p:cond delay="indefinite"/>
+                        <p:cond evt="onBegin" delay="0">
+                          <p:tn val="2"/>
+                        </p:cond>
+                      </p:stCondLst>
+                      <p:childTnLst>
+                        <p:par>
+                          <p:cTn id="4" fill="hold">
+                            <p:stCondLst>
+                              <p:cond delay="0"/>
+                            </p:stCondLst>
+                            <p:childTnLst>
+                              <p:par>
+                                <p:cTn id="5" presetID="10" presetClass="entr" presetSubtype="0" fill="hold" nodeType="afterEffect">
+                                  <p:stCondLst>
+                                    <p:cond delay="0"/>
+                                  </p:stCondLst>
+                                  <p:childTnLst>
+                                    <p:set>
+                                      <p:cBhvr>
+                                        <p:cTn id="6" dur="1" fill="hold">
+                                          <p:stCondLst>
+                                            <p:cond delay="0"/>
+                                          </p:stCondLst>
+                                        </p:cTn>
+                                        <p:tgtEl>
+                                          <p:spTgt spid="10"/>
+                                        </p:tgtEl>
+                                        <p:attrNameLst>
+                                          <p:attrName>style.visibility</p:attrName>
+                                        </p:attrNameLst>
+                                      </p:cBhvr>
+                                      <p:to>
+                                        <p:strVal val="visible"/>
+                                      </p:to>
+                                    </p:set>
+                                    <p:animEffect transition="in" filter="fade">
+                                      <p:cBhvr>
+                                        <p:cTn id="7" dur="500"/>
+                                        <p:tgtEl>
+                                          <p:spTgt spid="10"/>
+                                        </p:tgtEl>
+                                      </p:cBhvr>
+                                    </p:animEffect>
+                                  </p:childTnLst>
+                                </p:cTn>
+                              </p:par>
+                            </p:childTnLst>
+                          </p:cTn>
+                        </p:par>
+                        <p:par>
+                          <p:cTn id="8" fill="hold">
+                            <p:stCondLst>
+                              <p:cond delay="500"/>
+                            </p:stCondLst>
+                            <p:childTnLst>
+                              <p:par>
+                                <p:cTn id="9" presetID="53" presetClass="entr" presetSubtype="16" fill="hold" grpId="0" nodeType="afterEffect">
+                                  <p:stCondLst>
+                                    <p:cond delay="0"/>
+                                  </p:stCondLst>
+                                  <p:childTnLst>
+                                    <p:set>
+                                      <p:cBhvr>
+                                        <p:cTn id="10" dur="1" fill="hold">
+                                          <p:stCondLst>
+                                            <p:cond delay="0"/>
+                                          </p:stCondLst>
+                                        </p:cTn>
+                                        <p:tgtEl>
+                                          <p:spTgt spid="11"/>
+                                        </p:tgtEl>
+                                        <p:attrNameLst>
+                                          <p:attrName>style.visibility</p:attrName>
+                                        </p:attrNameLst>
+                                      </p:cBhvr>
+                                      <p:to>
+                                        <p:strVal val="visible"/>
+                                      </p:to>
+                                    </p:set>
+                                    <p:anim calcmode="lin" valueType="num">
+                                      <p:cBhvr>
+                                        <p:cTn id="11" dur="500" fill="hold"/>
+                                        <p:tgtEl>
+                                          <p:spTgt spid="11"/>
+                                        </p:tgtEl>
+                                        <p:attrNameLst>
+                                          <p:attrName>ppt_w</p:attrName>
+                                        </p:attrNameLst>
+                                      </p:cBhvr>
+                                      <p:tavLst>
+                                        <p:tav tm="0">
+                                          <p:val>
+                                            <p:fltVal val="0"/>
+                                          </p:val>
+                                        </p:tav>
+                                        <p:tav tm="100000">
+                                          <p:val>
+                                            <p:strVal val="#ppt_w"/>
+                                          </p:val>
+                                        </p:tav>
+                                      </p:tavLst>
+                                    </p:anim>
+                                    <p:anim calcmode="lin" valueType="num">
+                                      <p:cBhvr>
+                                        <p:cTn id="12" dur="500" fill="hold"/>
+                                        <p:tgtEl>
+                                          <p:spTgt spid="11"/>
+                                        </p:tgtEl>
+                                        <p:attrNameLst>
+                                          <p:attrName>ppt_h</p:attrName>
+                                        </p:attrNameLst>
+                                      </p:cBhvr>
+                                      <p:tavLst>
+                                        <p:tav tm="0">
+                                          <p:val>
+                                            <p:fltVal val="0"/>
+                                          </p:val>
+                                        </p:tav>
+                                        <p:tav tm="100000">
+                                          <p:val>
+                                            <p:strVal val="#ppt_h"/>
+                                          </p:val>
+                                        </p:tav>
+                                      </p:tavLst>
+                                    </p:anim>
+                                    <p:animEffect transition="in" filter="fade">
+                                      <p:cBhvr>
+                                        <p:cTn id="13" dur="500"/>
+                                        <p:tgtEl>
+                                          <p:spTgt spid="11"/>
+                                        </p:tgtEl>
+                                      </p:cBhvr>
+                                    </p:animEffect>
+                                  </p:childTnLst>
+                                </p:cTn>
+                              </p:par>
+                            </p:childTnLst>
+                          </p:cTn>
+                        </p:par>
+                      </p:childTnLst>
+                    </p:cTn>
+                  </p:par>
+                </p:childTnLst>
+              </p:cTn>
+              <p:prevCondLst>
+                <p:cond evt="onPrev" delay="0">
+                  <p:tgtEl>
+                    <p:sldTgt/>
+                  </p:tgtEl>
+                </p:cond>
+              </p:prevCondLst>
+              <p:nextCondLst>
+                <p:cond evt="onNext" delay="0">
+                  <p:tgtEl>
+                    <p:sldTgt/>
+                  </p:tgtEl>
+                </p:cond>
+              </p:nextCondLst>
+            </p:seq>
+          </p:childTnLst>
+        </p:cTn>
       </p:par>
     </p:tnLst>
+    <p:bldLst>
+      <p:bldP spid="11" grpId="0" animBg="1"/>
+    </p:bldLst>
   </p:timing>
 </p:sld>
 </file>
@@ -7981,7 +8469,12 @@
             <p:ph idx="1"/>
           </p:nvPr>
         </p:nvSpPr>
-        <p:spPr/>
+        <p:spPr>
+          <a:xfrm>
+            <a:off x="1371600" y="2202309"/>
+            <a:ext cx="10820400" cy="4024125"/>
+          </a:xfrm>
+        </p:spPr>
         <p:txBody>
           <a:bodyPr/>
           <a:lstStyle/>
@@ -8454,7 +8947,7 @@
           <a:graphicData uri="http://schemas.openxmlformats.org/presentationml/2006/ole">
             <mc:AlternateContent xmlns:mc="http://schemas.openxmlformats.org/markup-compatibility/2006">
               <mc:Choice xmlns:v="urn:schemas-microsoft-com:vml" Requires="v">
-                <p:oleObj spid="_x0000_s2060" name="Worksheet" r:id="rId3" imgW="4124332" imgH="1266825" progId="Excel.Sheet.12">
+                <p:oleObj spid="_x0000_s2064" name="Worksheet" r:id="rId3" imgW="4124332" imgH="1266825" progId="Excel.Sheet.12">
                   <p:embed/>
                 </p:oleObj>
               </mc:Choice>
@@ -8505,7 +8998,7 @@
           <p:nvPr>
             <p:extLst>
               <p:ext uri="{D42A27DB-BD31-4B8C-83A1-F6EECF244321}">
-                <p14:modId xmlns:p14="http://schemas.microsoft.com/office/powerpoint/2010/main" val="81426948"/>
+                <p14:modId xmlns:p14="http://schemas.microsoft.com/office/powerpoint/2010/main" val="1362925490"/>
               </p:ext>
             </p:extLst>
           </p:nvPr>
@@ -8714,37 +9207,69 @@
             <a:pPr lvl="0"/>
             <a:r>
               <a:rPr lang="en-US" altLang="zh-TW" sz="1800" dirty="0">
+                <a:hlinkClick r:id="rId2"/>
+              </a:rPr>
+              <a:t>https://</a:t>
+            </a:r>
+            <a:r>
+              <a:rPr lang="en-US" altLang="zh-TW" sz="1800" dirty="0" smtClean="0">
+                <a:hlinkClick r:id="rId2"/>
+              </a:rPr>
+              <a:t>nyulocal.com/which-fabrics-will-keep-you-warmest-this-winter-344ab4f1e16e</a:t>
+            </a:r>
+            <a:endParaRPr lang="en-US" altLang="zh-TW" sz="1800" dirty="0" smtClean="0"/>
+          </a:p>
+          <a:p>
+            <a:pPr lvl="0"/>
+            <a:r>
+              <a:rPr lang="en-US" altLang="zh-TW" sz="1800" dirty="0" smtClean="0">
+                <a:hlinkClick r:id="rId3"/>
+              </a:rPr>
+              <a:t>http</a:t>
+            </a:r>
+            <a:r>
+              <a:rPr lang="en-US" altLang="zh-TW" sz="1800" dirty="0">
+                <a:hlinkClick r:id="rId3"/>
+              </a:rPr>
+              <a:t>://</a:t>
+            </a:r>
+            <a:r>
+              <a:rPr lang="en-US" altLang="zh-TW" sz="1800" dirty="0" smtClean="0">
+                <a:hlinkClick r:id="rId3"/>
+              </a:rPr>
+              <a:t>www.answers.com/Q/What_is_the_difference_between_cotton_and_nylon</a:t>
+            </a:r>
+            <a:endParaRPr lang="zh-TW" altLang="zh-TW" sz="1800" dirty="0"/>
+          </a:p>
+          <a:p>
+            <a:pPr lvl="0"/>
+            <a:r>
+              <a:rPr lang="en-US" altLang="zh-TW" sz="1800" dirty="0">
                 <a:hlinkClick r:id="rId4"/>
               </a:rPr>
-              <a:t>https://</a:t>
+              <a:t>http://</a:t>
             </a:r>
             <a:r>
               <a:rPr lang="en-US" altLang="zh-TW" sz="1800" dirty="0" smtClean="0">
                 <a:hlinkClick r:id="rId4"/>
               </a:rPr>
-              <a:t>nyulocal.com/which-fabrics-will-keep-you-warmest-this-winter-344ab4f1e16e</a:t>
-            </a:r>
-            <a:endParaRPr lang="en-US" altLang="zh-TW" sz="1800" dirty="0" smtClean="0"/>
+              <a:t>www.answers.com/Q/Why_is_nylon_warmer_than_cotton</a:t>
+            </a:r>
+            <a:endParaRPr lang="zh-TW" altLang="zh-TW" sz="1800" dirty="0"/>
           </a:p>
           <a:p>
             <a:pPr lvl="0"/>
+            <a:r>
+              <a:rPr lang="en-US" altLang="zh-TW" sz="1800" dirty="0">
+                <a:hlinkClick r:id="rId5"/>
+              </a:rPr>
+              <a:t>https://</a:t>
+            </a:r>
             <a:r>
               <a:rPr lang="en-US" altLang="zh-TW" sz="1800" dirty="0" smtClean="0">
                 <a:hlinkClick r:id="rId5"/>
               </a:rPr>
-              <a:t>http</a:t>
-            </a:r>
-            <a:r>
-              <a:rPr lang="en-US" altLang="zh-TW" sz="1800" dirty="0">
-                <a:hlinkClick r:id="rId5"/>
-              </a:rPr>
-              <a:t>://</a:t>
-            </a:r>
-            <a:r>
-              <a:rPr lang="en-US" altLang="zh-TW" sz="1800" dirty="0" smtClean="0">
-                <a:hlinkClick r:id="rId5"/>
-              </a:rPr>
-              <a:t>www.answers.com/Q/What_is_the_difference_between_cotton_and_nylon</a:t>
+              <a:t>www.reference.com/beauty-fashion/warmer-cotton-polyester-acbf1046c68db809</a:t>
             </a:r>
             <a:endParaRPr lang="zh-TW" altLang="zh-TW" sz="1800" dirty="0"/>
           </a:p>
@@ -8754,112 +9279,17 @@
               <a:rPr lang="en-US" altLang="zh-TW" sz="1800" dirty="0">
                 <a:hlinkClick r:id="rId6"/>
               </a:rPr>
-              <a:t>http://</a:t>
+              <a:t>https://</a:t>
             </a:r>
             <a:r>
               <a:rPr lang="en-US" altLang="zh-TW" sz="1800" dirty="0" smtClean="0">
                 <a:hlinkClick r:id="rId6"/>
               </a:rPr>
-              <a:t>www.answers.com/Q/Why_is_nylon_warmer_than_cotton</a:t>
+              <a:t>www.quora.com/Which-fabric-is-the-best-for-winter-clothing-Wool-Polyester-Cotton-or</a:t>
             </a:r>
             <a:endParaRPr lang="zh-TW" altLang="zh-TW" sz="1800" dirty="0"/>
           </a:p>
           <a:p>
-            <a:pPr lvl="0"/>
-            <a:r>
-              <a:rPr lang="en-US" altLang="zh-TW" sz="1800" dirty="0">
-                <a:hlinkClick r:id="rId7"/>
-              </a:rPr>
-              <a:t>https://</a:t>
-            </a:r>
-            <a:r>
-              <a:rPr lang="en-US" altLang="zh-TW" sz="1800" dirty="0" smtClean="0">
-                <a:hlinkClick r:id="rId7"/>
-              </a:rPr>
-              <a:t>www.reference.com/beauty-fashion/warmer-cotton-polyester-acbf1046c68db809</a:t>
-            </a:r>
-            <a:endParaRPr lang="zh-TW" altLang="zh-TW" sz="1800" dirty="0"/>
-          </a:p>
-          <a:p>
-            <a:pPr lvl="0"/>
-            <a:r>
-              <a:rPr lang="en-US" altLang="zh-TW" sz="1800" dirty="0">
-                <a:hlinkClick r:id="rId8"/>
-              </a:rPr>
-              <a:t>https://</a:t>
-            </a:r>
-            <a:r>
-              <a:rPr lang="en-US" altLang="zh-TW" sz="1800" dirty="0" smtClean="0">
-                <a:hlinkClick r:id="rId8"/>
-              </a:rPr>
-              <a:t>www.quora.com/Which-fabric-is-the-best-for-winter-clothing-Wool-Polyester-Cotton-or</a:t>
-            </a:r>
-            <a:endParaRPr lang="zh-TW" altLang="zh-TW" sz="1800" dirty="0"/>
-          </a:p>
-          <a:p>
-            <a:endParaRPr lang="zh-TW" altLang="en-US" dirty="0"/>
-          </a:p>
-        </p:txBody>
-      </p:sp>
-      <p:pic>
-        <p:nvPicPr>
-          <p:cNvPr id="7" name="Trembling-in-Fear001-GiveMeSomeEnglish">
-            <a:hlinkClick r:id="" action="ppaction://media"/>
-          </p:cNvPr>
-          <p:cNvPicPr>
-            <a:picLocks noChangeAspect="1"/>
-          </p:cNvPicPr>
-          <p:nvPr>
-            <a:videoFile r:link="rId2"/>
-            <p:extLst>
-              <p:ext uri="{DAA4B4D4-6D71-4841-9C94-3DE7FCFB9230}">
-                <p14:media xmlns:p14="http://schemas.microsoft.com/office/powerpoint/2010/main" r:embed="rId1"/>
-              </p:ext>
-            </p:extLst>
-          </p:nvPr>
-        </p:nvPicPr>
-        <p:blipFill>
-          <a:blip r:embed="rId9"/>
-          <a:stretch>
-            <a:fillRect/>
-          </a:stretch>
-        </p:blipFill>
-        <p:spPr>
-          <a:xfrm>
-            <a:off x="4905375" y="4310063"/>
-            <a:ext cx="2381250" cy="1781175"/>
-          </a:xfrm>
-          <a:prstGeom prst="rect">
-            <a:avLst/>
-          </a:prstGeom>
-        </p:spPr>
-      </p:pic>
-      <p:sp>
-        <p:nvSpPr>
-          <p:cNvPr id="8" name="文字方塊 7"/>
-          <p:cNvSpPr txBox="1"/>
-          <p:nvPr/>
-        </p:nvSpPr>
-        <p:spPr>
-          <a:xfrm>
-            <a:off x="7791450" y="5015984"/>
-            <a:ext cx="2800350" cy="369332"/>
-          </a:xfrm>
-          <a:prstGeom prst="rect">
-            <a:avLst/>
-          </a:prstGeom>
-          <a:noFill/>
-        </p:spPr>
-        <p:txBody>
-          <a:bodyPr wrap="square" rtlCol="0">
-            <a:spAutoFit/>
-          </a:bodyPr>
-          <a:lstStyle/>
-          <a:p>
-            <a:r>
-              <a:rPr lang="en-US" altLang="zh-TW" dirty="0" smtClean="0"/>
-              <a:t>No More Chattering!</a:t>
-            </a:r>
             <a:endParaRPr lang="zh-TW" altLang="en-US" dirty="0"/>
           </a:p>
         </p:txBody>
@@ -8889,138 +9319,7 @@
   <p:timing>
     <p:tnLst>
       <p:par>
-        <p:cTn id="1" dur="indefinite" restart="never" nodeType="tmRoot">
-          <p:childTnLst>
-            <p:seq concurrent="1" nextAc="seek">
-              <p:cTn id="2" dur="indefinite" nodeType="mainSeq">
-                <p:childTnLst>
-                  <p:par>
-                    <p:cTn id="3" fill="hold">
-                      <p:stCondLst>
-                        <p:cond delay="indefinite"/>
-                        <p:cond evt="onBegin" delay="0">
-                          <p:tn val="2"/>
-                        </p:cond>
-                      </p:stCondLst>
-                      <p:childTnLst>
-                        <p:par>
-                          <p:cTn id="4" fill="hold">
-                            <p:stCondLst>
-                              <p:cond delay="0"/>
-                            </p:stCondLst>
-                            <p:childTnLst>
-                              <p:par>
-                                <p:cTn id="5" presetID="1" presetClass="mediacall" presetSubtype="0" fill="hold" nodeType="afterEffect">
-                                  <p:stCondLst>
-                                    <p:cond delay="0"/>
-                                  </p:stCondLst>
-                                  <p:childTnLst>
-                                    <p:cmd type="call" cmd="playFrom(0.0)">
-                                      <p:cBhvr>
-                                        <p:cTn id="6" dur="3150" fill="hold"/>
-                                        <p:tgtEl>
-                                          <p:spTgt spid="7"/>
-                                        </p:tgtEl>
-                                      </p:cBhvr>
-                                    </p:cmd>
-                                  </p:childTnLst>
-                                </p:cTn>
-                              </p:par>
-                            </p:childTnLst>
-                          </p:cTn>
-                        </p:par>
-                      </p:childTnLst>
-                    </p:cTn>
-                  </p:par>
-                </p:childTnLst>
-              </p:cTn>
-              <p:prevCondLst>
-                <p:cond evt="onPrev" delay="0">
-                  <p:tgtEl>
-                    <p:sldTgt/>
-                  </p:tgtEl>
-                </p:cond>
-              </p:prevCondLst>
-              <p:nextCondLst>
-                <p:cond evt="onNext" delay="0">
-                  <p:tgtEl>
-                    <p:sldTgt/>
-                  </p:tgtEl>
-                </p:cond>
-              </p:nextCondLst>
-            </p:seq>
-            <p:video>
-              <p:cMediaNode vol="80000">
-                <p:cTn id="7" fill="hold" display="0">
-                  <p:stCondLst>
-                    <p:cond delay="indefinite"/>
-                  </p:stCondLst>
-                </p:cTn>
-                <p:tgtEl>
-                  <p:spTgt spid="7"/>
-                </p:tgtEl>
-              </p:cMediaNode>
-            </p:video>
-            <p:seq concurrent="1" nextAc="seek">
-              <p:cTn id="8" restart="whenNotActive" fill="hold" evtFilter="cancelBubble" nodeType="interactiveSeq">
-                <p:stCondLst>
-                  <p:cond evt="onClick" delay="0">
-                    <p:tgtEl>
-                      <p:spTgt spid="7"/>
-                    </p:tgtEl>
-                  </p:cond>
-                </p:stCondLst>
-                <p:endSync evt="end" delay="0">
-                  <p:rtn val="all"/>
-                </p:endSync>
-                <p:childTnLst>
-                  <p:par>
-                    <p:cTn id="9" fill="hold">
-                      <p:stCondLst>
-                        <p:cond delay="0"/>
-                      </p:stCondLst>
-                      <p:childTnLst>
-                        <p:par>
-                          <p:cTn id="10" fill="hold">
-                            <p:stCondLst>
-                              <p:cond delay="0"/>
-                            </p:stCondLst>
-                            <p:childTnLst>
-                              <p:par>
-                                <p:cTn id="11" presetID="2" presetClass="mediacall" presetSubtype="0" fill="hold" nodeType="clickEffect">
-                                  <p:stCondLst>
-                                    <p:cond delay="0"/>
-                                  </p:stCondLst>
-                                  <p:childTnLst>
-                                    <p:cmd type="call" cmd="togglePause">
-                                      <p:cBhvr>
-                                        <p:cTn id="12" dur="1" fill="hold"/>
-                                        <p:tgtEl>
-                                          <p:spTgt spid="7"/>
-                                        </p:tgtEl>
-                                      </p:cBhvr>
-                                    </p:cmd>
-                                  </p:childTnLst>
-                                </p:cTn>
-                              </p:par>
-                            </p:childTnLst>
-                          </p:cTn>
-                        </p:par>
-                      </p:childTnLst>
-                    </p:cTn>
-                  </p:par>
-                </p:childTnLst>
-              </p:cTn>
-              <p:nextCondLst>
-                <p:cond evt="onClick" delay="0">
-                  <p:tgtEl>
-                    <p:spTgt spid="7"/>
-                  </p:tgtEl>
-                </p:cond>
-              </p:nextCondLst>
-            </p:seq>
-          </p:childTnLst>
-        </p:cTn>
+        <p:cTn id="1" dur="indefinite" restart="never" nodeType="tmRoot"/>
       </p:par>
     </p:tnLst>
   </p:timing>
